--- a/FlaskApp/generated/Company51ByLevelFrom2022-06-01To2022-06-21.pptx
+++ b/FlaskApp/generated/Company51ByLevelFrom2022-06-01To2022-06-21.pptx
@@ -14,7 +14,6 @@
     <p:sldId id="262" r:id="rId13"/>
     <p:sldId id="263" r:id="rId14"/>
     <p:sldId id="264" r:id="rId15"/>
-    <p:sldId id="265" r:id="rId16"/>
   </p:sldIdLst>
   <p:sldSz cx="9144000" cy="6858000" type="screen4x3"/>
   <p:notesSz cx="6858000" cy="9144000"/>
@@ -168,19 +167,19 @@
                 <c:formatCode>General</c:formatCode>
                 <c:ptCount val="5"/>
                 <c:pt idx="0">
-                  <c:v>0.30364372469635625</c:v>
+                  <c:v>0.30718954248366015</c:v>
                 </c:pt>
                 <c:pt idx="1">
-                  <c:v>0.19433198380566802</c:v>
+                  <c:v>0.20261437908496732</c:v>
                 </c:pt>
                 <c:pt idx="2">
-                  <c:v>0.2793522267206478</c:v>
+                  <c:v>0.25163398692810457</c:v>
                 </c:pt>
                 <c:pt idx="3">
-                  <c:v>0.13360323886639677</c:v>
+                  <c:v>0.13725490196078433</c:v>
                 </c:pt>
                 <c:pt idx="4">
-                  <c:v>0.08906882591093117</c:v>
+                  <c:v>0.10130718954248366</c:v>
                 </c:pt>
               </c:numCache>
             </c:numRef>
@@ -245,47 +244,35 @@
           </c:tx>
           <c:cat>
             <c:strRef>
-              <c:f>Sheet1!$A$2:$A$6</c:f>
+              <c:f>Sheet1!$A$2:$A$4</c:f>
               <c:strCache>
-                <c:ptCount val="5"/>
+                <c:ptCount val="3"/>
                 <c:pt idx="0">
-                  <c:v>Arya</c:v>
+                  <c:v>A</c:v>
                 </c:pt>
                 <c:pt idx="1">
-                  <c:v>Kumar</c:v>
+                  <c:v>B</c:v>
                 </c:pt>
                 <c:pt idx="2">
-                  <c:v>Ali</c:v>
-                </c:pt>
-                <c:pt idx="3">
-                  <c:v>Sara</c:v>
-                </c:pt>
-                <c:pt idx="4">
-                  <c:v>Joe</c:v>
+                  <c:v>C</c:v>
                 </c:pt>
               </c:strCache>
             </c:strRef>
           </c:cat>
           <c:val>
             <c:numRef>
-              <c:f>Sheet1!$B$2:$B$6</c:f>
+              <c:f>Sheet1!$B$2:$B$4</c:f>
               <c:numCache>
                 <c:formatCode>General</c:formatCode>
-                <c:ptCount val="5"/>
+                <c:ptCount val="3"/>
                 <c:pt idx="0">
-                  <c:v>0.3269230769230769</c:v>
+                  <c:v>0.36769759450171824</c:v>
                 </c:pt>
                 <c:pt idx="1">
-                  <c:v>0.25</c:v>
+                  <c:v>0.1958762886597938</c:v>
                 </c:pt>
                 <c:pt idx="2">
-                  <c:v>0.1346153846153846</c:v>
-                </c:pt>
-                <c:pt idx="3">
-                  <c:v>0.1346153846153846</c:v>
-                </c:pt>
-                <c:pt idx="4">
-                  <c:v>0.15384615384615385</c:v>
+                  <c:v>0.436426116838488</c:v>
                 </c:pt>
               </c:numCache>
             </c:numRef>
@@ -350,111 +337,6 @@
           </c:tx>
           <c:cat>
             <c:strRef>
-              <c:f>Sheet1!$A$2:$A$6</c:f>
-              <c:strCache>
-                <c:ptCount val="5"/>
-                <c:pt idx="0">
-                  <c:v>Arya</c:v>
-                </c:pt>
-                <c:pt idx="1">
-                  <c:v>Kumar</c:v>
-                </c:pt>
-                <c:pt idx="2">
-                  <c:v>Ali</c:v>
-                </c:pt>
-                <c:pt idx="3">
-                  <c:v>Sara</c:v>
-                </c:pt>
-                <c:pt idx="4">
-                  <c:v>Joe</c:v>
-                </c:pt>
-              </c:strCache>
-            </c:strRef>
-          </c:cat>
-          <c:val>
-            <c:numRef>
-              <c:f>Sheet1!$B$2:$B$6</c:f>
-              <c:numCache>
-                <c:formatCode>General</c:formatCode>
-                <c:ptCount val="5"/>
-                <c:pt idx="0">
-                  <c:v>0.2857142857142857</c:v>
-                </c:pt>
-                <c:pt idx="1">
-                  <c:v>0.14285714285714285</c:v>
-                </c:pt>
-                <c:pt idx="2">
-                  <c:v>0.14285714285714285</c:v>
-                </c:pt>
-                <c:pt idx="3">
-                  <c:v>0.2857142857142857</c:v>
-                </c:pt>
-                <c:pt idx="4">
-                  <c:v>0.14285714285714285</c:v>
-                </c:pt>
-              </c:numCache>
-            </c:numRef>
-          </c:val>
-        </c:ser>
-        <c:dLbls>
-          <c:numFmt formatCode="0%" sourceLinked="0"/>
-          <c:dLblPos val="outEnd"/>
-          <c:showLegendKey val="0"/>
-          <c:showVal val="1"/>
-          <c:showCatName val="0"/>
-          <c:showSerName val="0"/>
-          <c:showPercent val="0"/>
-          <c:showBubbleSize val="0"/>
-          <c:showLeaderLines val="1"/>
-        </c:dLbls>
-      </c:pieChart>
-    </c:plotArea>
-    <c:legend>
-      <c:legendPos val="b"/>
-      <c:overlay val="0"/>
-    </c:legend>
-    <c:dispBlanksAs val="gap"/>
-  </c:chart>
-  <c:txPr>
-    <a:bodyPr/>
-    <a:lstStyle/>
-    <a:p>
-      <a:pPr>
-        <a:defRPr sz="1800"/>
-      </a:pPr>
-      <a:endParaRPr lang="en-US"/>
-    </a:p>
-  </c:txPr>
-  <c:externalData r:id="rId1">
-    <c:autoUpdate val="0"/>
-  </c:externalData>
-</c:chartSpace>
-</file>
-
-<file path=ppt/charts/chart4.xml><?xml version="1.0" encoding="utf-8"?>
-<c:chartSpace xmlns:c="http://schemas.openxmlformats.org/drawingml/2006/chart" xmlns:a="http://schemas.openxmlformats.org/drawingml/2006/main" xmlns:r="http://schemas.openxmlformats.org/officeDocument/2006/relationships">
-  <c:style val="26"/>
-  <c:chart>
-    <c:autoTitleDeleted val="0"/>
-    <c:plotArea>
-      <c:pieChart>
-        <c:varyColors val="1"/>
-        <c:ser>
-          <c:idx val="0"/>
-          <c:order val="0"/>
-          <c:tx>
-            <c:strRef>
-              <c:f>Sheet1!$B$1</c:f>
-              <c:strCache>
-                <c:ptCount val="1"/>
-                <c:pt idx="0">
-                  <c:v>Response</c:v>
-                </c:pt>
-              </c:strCache>
-            </c:strRef>
-          </c:tx>
-          <c:cat>
-            <c:strRef>
               <c:f>Sheet1!$A$2:$A$4</c:f>
               <c:strCache>
                 <c:ptCount val="3"/>
@@ -477,478 +359,13 @@
                 <c:formatCode>General</c:formatCode>
                 <c:ptCount val="3"/>
                 <c:pt idx="0">
-                  <c:v>0.37130801687763715</c:v>
+                  <c:v>0.2923076923076923</c:v>
                 </c:pt>
                 <c:pt idx="1">
-                  <c:v>0.16033755274261605</c:v>
+                  <c:v>0.06153846153846154</c:v>
                 </c:pt>
                 <c:pt idx="2">
-                  <c:v>0.46835443037974683</c:v>
-                </c:pt>
-              </c:numCache>
-            </c:numRef>
-          </c:val>
-        </c:ser>
-        <c:dLbls>
-          <c:numFmt formatCode="0%" sourceLinked="0"/>
-          <c:dLblPos val="outEnd"/>
-          <c:showLegendKey val="0"/>
-          <c:showVal val="1"/>
-          <c:showCatName val="0"/>
-          <c:showSerName val="0"/>
-          <c:showPercent val="0"/>
-          <c:showBubbleSize val="0"/>
-          <c:showLeaderLines val="1"/>
-        </c:dLbls>
-      </c:pieChart>
-    </c:plotArea>
-    <c:legend>
-      <c:legendPos val="b"/>
-      <c:overlay val="0"/>
-    </c:legend>
-    <c:dispBlanksAs val="gap"/>
-  </c:chart>
-  <c:txPr>
-    <a:bodyPr/>
-    <a:lstStyle/>
-    <a:p>
-      <a:pPr>
-        <a:defRPr sz="1800"/>
-      </a:pPr>
-      <a:endParaRPr lang="en-US"/>
-    </a:p>
-  </c:txPr>
-  <c:externalData r:id="rId1">
-    <c:autoUpdate val="0"/>
-  </c:externalData>
-</c:chartSpace>
-</file>
-
-<file path=ppt/charts/chart5.xml><?xml version="1.0" encoding="utf-8"?>
-<c:chartSpace xmlns:c="http://schemas.openxmlformats.org/drawingml/2006/chart" xmlns:a="http://schemas.openxmlformats.org/drawingml/2006/main" xmlns:r="http://schemas.openxmlformats.org/officeDocument/2006/relationships">
-  <c:style val="26"/>
-  <c:chart>
-    <c:autoTitleDeleted val="0"/>
-    <c:plotArea>
-      <c:pieChart>
-        <c:varyColors val="1"/>
-        <c:ser>
-          <c:idx val="0"/>
-          <c:order val="0"/>
-          <c:tx>
-            <c:strRef>
-              <c:f>Sheet1!$B$1</c:f>
-              <c:strCache>
-                <c:ptCount val="1"/>
-                <c:pt idx="0">
-                  <c:v>Response</c:v>
-                </c:pt>
-              </c:strCache>
-            </c:strRef>
-          </c:tx>
-          <c:cat>
-            <c:strRef>
-              <c:f>Sheet1!$A$2:$A$4</c:f>
-              <c:strCache>
-                <c:ptCount val="3"/>
-                <c:pt idx="0">
-                  <c:v>A</c:v>
-                </c:pt>
-                <c:pt idx="1">
-                  <c:v>B</c:v>
-                </c:pt>
-                <c:pt idx="2">
-                  <c:v>C</c:v>
-                </c:pt>
-              </c:strCache>
-            </c:strRef>
-          </c:cat>
-          <c:val>
-            <c:numRef>
-              <c:f>Sheet1!$B$2:$B$4</c:f>
-              <c:numCache>
-                <c:formatCode>General</c:formatCode>
-                <c:ptCount val="3"/>
-                <c:pt idx="0">
-                  <c:v>0.3673469387755102</c:v>
-                </c:pt>
-                <c:pt idx="1">
-                  <c:v>0.3673469387755102</c:v>
-                </c:pt>
-                <c:pt idx="2">
-                  <c:v>0.2653061224489796</c:v>
-                </c:pt>
-              </c:numCache>
-            </c:numRef>
-          </c:val>
-        </c:ser>
-        <c:dLbls>
-          <c:numFmt formatCode="0%" sourceLinked="0"/>
-          <c:dLblPos val="outEnd"/>
-          <c:showLegendKey val="0"/>
-          <c:showVal val="1"/>
-          <c:showCatName val="0"/>
-          <c:showSerName val="0"/>
-          <c:showPercent val="0"/>
-          <c:showBubbleSize val="0"/>
-          <c:showLeaderLines val="1"/>
-        </c:dLbls>
-      </c:pieChart>
-    </c:plotArea>
-    <c:legend>
-      <c:legendPos val="b"/>
-      <c:overlay val="0"/>
-    </c:legend>
-    <c:dispBlanksAs val="gap"/>
-  </c:chart>
-  <c:txPr>
-    <a:bodyPr/>
-    <a:lstStyle/>
-    <a:p>
-      <a:pPr>
-        <a:defRPr sz="1800"/>
-      </a:pPr>
-      <a:endParaRPr lang="en-US"/>
-    </a:p>
-  </c:txPr>
-  <c:externalData r:id="rId1">
-    <c:autoUpdate val="0"/>
-  </c:externalData>
-</c:chartSpace>
-</file>
-
-<file path=ppt/charts/chart6.xml><?xml version="1.0" encoding="utf-8"?>
-<c:chartSpace xmlns:c="http://schemas.openxmlformats.org/drawingml/2006/chart" xmlns:a="http://schemas.openxmlformats.org/drawingml/2006/main" xmlns:r="http://schemas.openxmlformats.org/officeDocument/2006/relationships">
-  <c:style val="26"/>
-  <c:chart>
-    <c:autoTitleDeleted val="0"/>
-    <c:plotArea>
-      <c:pieChart>
-        <c:varyColors val="1"/>
-        <c:ser>
-          <c:idx val="0"/>
-          <c:order val="0"/>
-          <c:tx>
-            <c:strRef>
-              <c:f>Sheet1!$B$1</c:f>
-              <c:strCache>
-                <c:ptCount val="1"/>
-                <c:pt idx="0">
-                  <c:v>Response</c:v>
-                </c:pt>
-              </c:strCache>
-            </c:strRef>
-          </c:tx>
-          <c:cat>
-            <c:strRef>
-              <c:f>Sheet1!$A$2:$A$4</c:f>
-              <c:strCache>
-                <c:ptCount val="3"/>
-                <c:pt idx="0">
-                  <c:v>A</c:v>
-                </c:pt>
-                <c:pt idx="1">
-                  <c:v>B</c:v>
-                </c:pt>
-                <c:pt idx="2">
-                  <c:v>C</c:v>
-                </c:pt>
-              </c:strCache>
-            </c:strRef>
-          </c:cat>
-          <c:val>
-            <c:numRef>
-              <c:f>Sheet1!$B$2:$B$4</c:f>
-              <c:numCache>
-                <c:formatCode>General</c:formatCode>
-                <c:ptCount val="3"/>
-                <c:pt idx="0">
-                  <c:v>0.2</c:v>
-                </c:pt>
-                <c:pt idx="1">
-                  <c:v>0.2</c:v>
-                </c:pt>
-                <c:pt idx="2">
-                  <c:v>0.6</c:v>
-                </c:pt>
-              </c:numCache>
-            </c:numRef>
-          </c:val>
-        </c:ser>
-        <c:dLbls>
-          <c:numFmt formatCode="0%" sourceLinked="0"/>
-          <c:dLblPos val="outEnd"/>
-          <c:showLegendKey val="0"/>
-          <c:showVal val="1"/>
-          <c:showCatName val="0"/>
-          <c:showSerName val="0"/>
-          <c:showPercent val="0"/>
-          <c:showBubbleSize val="0"/>
-          <c:showLeaderLines val="1"/>
-        </c:dLbls>
-      </c:pieChart>
-    </c:plotArea>
-    <c:legend>
-      <c:legendPos val="b"/>
-      <c:overlay val="0"/>
-    </c:legend>
-    <c:dispBlanksAs val="gap"/>
-  </c:chart>
-  <c:txPr>
-    <a:bodyPr/>
-    <a:lstStyle/>
-    <a:p>
-      <a:pPr>
-        <a:defRPr sz="1800"/>
-      </a:pPr>
-      <a:endParaRPr lang="en-US"/>
-    </a:p>
-  </c:txPr>
-  <c:externalData r:id="rId1">
-    <c:autoUpdate val="0"/>
-  </c:externalData>
-</c:chartSpace>
-</file>
-
-<file path=ppt/charts/chart7.xml><?xml version="1.0" encoding="utf-8"?>
-<c:chartSpace xmlns:c="http://schemas.openxmlformats.org/drawingml/2006/chart" xmlns:a="http://schemas.openxmlformats.org/drawingml/2006/main" xmlns:r="http://schemas.openxmlformats.org/officeDocument/2006/relationships">
-  <c:style val="26"/>
-  <c:chart>
-    <c:autoTitleDeleted val="0"/>
-    <c:plotArea>
-      <c:pieChart>
-        <c:varyColors val="1"/>
-        <c:ser>
-          <c:idx val="0"/>
-          <c:order val="0"/>
-          <c:tx>
-            <c:strRef>
-              <c:f>Sheet1!$B$1</c:f>
-              <c:strCache>
-                <c:ptCount val="1"/>
-                <c:pt idx="0">
-                  <c:v>Response</c:v>
-                </c:pt>
-              </c:strCache>
-            </c:strRef>
-          </c:tx>
-          <c:cat>
-            <c:strRef>
-              <c:f>Sheet1!$A$2:$A$4</c:f>
-              <c:strCache>
-                <c:ptCount val="3"/>
-                <c:pt idx="0">
-                  <c:v>A</c:v>
-                </c:pt>
-                <c:pt idx="1">
-                  <c:v>B</c:v>
-                </c:pt>
-                <c:pt idx="2">
-                  <c:v>C</c:v>
-                </c:pt>
-              </c:strCache>
-            </c:strRef>
-          </c:cat>
-          <c:val>
-            <c:numRef>
-              <c:f>Sheet1!$B$2:$B$4</c:f>
-              <c:numCache>
-                <c:formatCode>General</c:formatCode>
-                <c:ptCount val="3"/>
-                <c:pt idx="0">
-                  <c:v>0.24489795918367346</c:v>
-                </c:pt>
-                <c:pt idx="1">
-                  <c:v>0.08163265306122448</c:v>
-                </c:pt>
-                <c:pt idx="2">
-                  <c:v>0.673469387755102</c:v>
-                </c:pt>
-              </c:numCache>
-            </c:numRef>
-          </c:val>
-        </c:ser>
-        <c:dLbls>
-          <c:numFmt formatCode="0%" sourceLinked="0"/>
-          <c:dLblPos val="outEnd"/>
-          <c:showLegendKey val="0"/>
-          <c:showVal val="1"/>
-          <c:showCatName val="0"/>
-          <c:showSerName val="0"/>
-          <c:showPercent val="0"/>
-          <c:showBubbleSize val="0"/>
-          <c:showLeaderLines val="1"/>
-        </c:dLbls>
-      </c:pieChart>
-    </c:plotArea>
-    <c:legend>
-      <c:legendPos val="b"/>
-      <c:overlay val="0"/>
-    </c:legend>
-    <c:dispBlanksAs val="gap"/>
-  </c:chart>
-  <c:txPr>
-    <a:bodyPr/>
-    <a:lstStyle/>
-    <a:p>
-      <a:pPr>
-        <a:defRPr sz="1800"/>
-      </a:pPr>
-      <a:endParaRPr lang="en-US"/>
-    </a:p>
-  </c:txPr>
-  <c:externalData r:id="rId1">
-    <c:autoUpdate val="0"/>
-  </c:externalData>
-</c:chartSpace>
-</file>
-
-<file path=ppt/charts/chart8.xml><?xml version="1.0" encoding="utf-8"?>
-<c:chartSpace xmlns:c="http://schemas.openxmlformats.org/drawingml/2006/chart" xmlns:a="http://schemas.openxmlformats.org/drawingml/2006/main" xmlns:r="http://schemas.openxmlformats.org/officeDocument/2006/relationships">
-  <c:style val="26"/>
-  <c:chart>
-    <c:autoTitleDeleted val="0"/>
-    <c:plotArea>
-      <c:pieChart>
-        <c:varyColors val="1"/>
-        <c:ser>
-          <c:idx val="0"/>
-          <c:order val="0"/>
-          <c:tx>
-            <c:strRef>
-              <c:f>Sheet1!$B$1</c:f>
-              <c:strCache>
-                <c:ptCount val="1"/>
-                <c:pt idx="0">
-                  <c:v>Response</c:v>
-                </c:pt>
-              </c:strCache>
-            </c:strRef>
-          </c:tx>
-          <c:cat>
-            <c:strRef>
-              <c:f>Sheet1!$A$2:$A$4</c:f>
-              <c:strCache>
-                <c:ptCount val="3"/>
-                <c:pt idx="0">
-                  <c:v>A</c:v>
-                </c:pt>
-                <c:pt idx="1">
-                  <c:v>B</c:v>
-                </c:pt>
-                <c:pt idx="2">
-                  <c:v>C</c:v>
-                </c:pt>
-              </c:strCache>
-            </c:strRef>
-          </c:cat>
-          <c:val>
-            <c:numRef>
-              <c:f>Sheet1!$B$2:$B$4</c:f>
-              <c:numCache>
-                <c:formatCode>General</c:formatCode>
-                <c:ptCount val="3"/>
-                <c:pt idx="0">
-                  <c:v>0.42857142857142855</c:v>
-                </c:pt>
-                <c:pt idx="1">
-                  <c:v>0.0</c:v>
-                </c:pt>
-                <c:pt idx="2">
-                  <c:v>0.5714285714285714</c:v>
-                </c:pt>
-              </c:numCache>
-            </c:numRef>
-          </c:val>
-        </c:ser>
-        <c:dLbls>
-          <c:numFmt formatCode="0%" sourceLinked="0"/>
-          <c:dLblPos val="outEnd"/>
-          <c:showLegendKey val="0"/>
-          <c:showVal val="1"/>
-          <c:showCatName val="0"/>
-          <c:showSerName val="0"/>
-          <c:showPercent val="0"/>
-          <c:showBubbleSize val="0"/>
-          <c:showLeaderLines val="1"/>
-        </c:dLbls>
-      </c:pieChart>
-    </c:plotArea>
-    <c:legend>
-      <c:legendPos val="b"/>
-      <c:overlay val="0"/>
-    </c:legend>
-    <c:dispBlanksAs val="gap"/>
-  </c:chart>
-  <c:txPr>
-    <a:bodyPr/>
-    <a:lstStyle/>
-    <a:p>
-      <a:pPr>
-        <a:defRPr sz="1800"/>
-      </a:pPr>
-      <a:endParaRPr lang="en-US"/>
-    </a:p>
-  </c:txPr>
-  <c:externalData r:id="rId1">
-    <c:autoUpdate val="0"/>
-  </c:externalData>
-</c:chartSpace>
-</file>
-
-<file path=ppt/charts/chart9.xml><?xml version="1.0" encoding="utf-8"?>
-<c:chartSpace xmlns:c="http://schemas.openxmlformats.org/drawingml/2006/chart" xmlns:a="http://schemas.openxmlformats.org/drawingml/2006/main" xmlns:r="http://schemas.openxmlformats.org/officeDocument/2006/relationships">
-  <c:style val="26"/>
-  <c:chart>
-    <c:autoTitleDeleted val="0"/>
-    <c:plotArea>
-      <c:pieChart>
-        <c:varyColors val="1"/>
-        <c:ser>
-          <c:idx val="0"/>
-          <c:order val="0"/>
-          <c:tx>
-            <c:strRef>
-              <c:f>Sheet1!$B$1</c:f>
-              <c:strCache>
-                <c:ptCount val="1"/>
-                <c:pt idx="0">
-                  <c:v>Response</c:v>
-                </c:pt>
-              </c:strCache>
-            </c:strRef>
-          </c:tx>
-          <c:cat>
-            <c:strRef>
-              <c:f>Sheet1!$A$2:$A$4</c:f>
-              <c:strCache>
-                <c:ptCount val="3"/>
-                <c:pt idx="0">
-                  <c:v>A</c:v>
-                </c:pt>
-                <c:pt idx="1">
-                  <c:v>B</c:v>
-                </c:pt>
-                <c:pt idx="2">
-                  <c:v>C</c:v>
-                </c:pt>
-              </c:strCache>
-            </c:strRef>
-          </c:cat>
-          <c:val>
-            <c:numRef>
-              <c:f>Sheet1!$B$2:$B$4</c:f>
-              <c:numCache>
-                <c:formatCode>General</c:formatCode>
-                <c:ptCount val="3"/>
-                <c:pt idx="0">
-                  <c:v>0.5</c:v>
-                </c:pt>
-                <c:pt idx="1">
-                  <c:v>0.0</c:v>
-                </c:pt>
-                <c:pt idx="2">
-                  <c:v>0.5</c:v>
+                  <c:v>0.6461538461538462</c:v>
                 </c:pt>
               </c:numCache>
             </c:numRef>
@@ -3987,7 +3404,7 @@
           <a:p>
             <a:r>
               <a:rPr b="1"/>
-              <a:t>Report for 51 with value data</a:t>
+              <a:t>Report for 51 with download data, learn data, value data</a:t>
             </a:r>
           </a:p>
         </p:txBody>
@@ -4045,7 +3462,7 @@
 </p:sld>
 </file>
 
-<file path=ppt/slides/slide10.xml><?xml version="1.0" encoding="utf-8"?>
+<file path=ppt/slides/slide2.xml><?xml version="1.0" encoding="utf-8"?>
 <p:sld xmlns:a="http://schemas.openxmlformats.org/drawingml/2006/main" xmlns:p="http://schemas.openxmlformats.org/presentationml/2006/main" xmlns:r="http://schemas.openxmlformats.org/officeDocument/2006/relationships">
   <p:cSld>
     <p:spTree>
@@ -4071,8 +3488,2125 @@
           <a:lstStyle/>
           <a:p>
             <a:r>
+              <a:rPr sz="4400" b="1"/>
+              <a:t>Download Status</a:t>
+            </a:r>
+          </a:p>
+        </p:txBody>
+      </p:sp>
+      <p:pic>
+        <p:nvPicPr>
+          <p:cNvPr id="3" name="Picture 2" descr="SeekLogo.png"/>
+          <p:cNvPicPr>
+            <a:picLocks noChangeAspect="1"/>
+          </p:cNvPicPr>
+          <p:nvPr/>
+        </p:nvPicPr>
+        <p:blipFill>
+          <a:blip r:embed="rId2"/>
+          <a:stretch>
+            <a:fillRect/>
+          </a:stretch>
+        </p:blipFill>
+        <p:spPr>
+          <a:xfrm>
+            <a:off x="8293608" y="18288"/>
+            <a:ext cx="841248" cy="768096"/>
+          </a:xfrm>
+          <a:prstGeom prst="rect">
+            <a:avLst/>
+          </a:prstGeom>
+        </p:spPr>
+      </p:pic>
+      <p:graphicFrame>
+        <p:nvGraphicFramePr>
+          <p:cNvPr id="4" name="Table 3"/>
+          <p:cNvGraphicFramePr>
+            <a:graphicFrameLocks noGrp="1"/>
+          </p:cNvGraphicFramePr>
+          <p:nvPr/>
+        </p:nvGraphicFramePr>
+        <p:xfrm>
+          <a:off x="914400" y="1371600"/>
+          <a:ext cx="7498080" cy="1828800"/>
+        </p:xfrm>
+        <a:graphic>
+          <a:graphicData uri="http://schemas.openxmlformats.org/drawingml/2006/table">
+            <a:tbl>
+              <a:tblPr firstRow="1" bandRow="1">
+                <a:tableStyleId>{5C22544A-7EE6-4342-B048-85BDC9FD1C3A}</a:tableStyleId>
+              </a:tblPr>
+              <a:tblGrid>
+                <a:gridCol w="1828800"/>
+                <a:gridCol w="1463040"/>
+                <a:gridCol w="1828800"/>
+                <a:gridCol w="914400"/>
+                <a:gridCol w="1463040"/>
+              </a:tblGrid>
+              <a:tr h="365760">
+                <a:tc>
+                  <a:txBody>
+                    <a:bodyPr/>
+                    <a:lstStyle/>
+                    <a:p/>
+                  </a:txBody>
+                  <a:tcPr/>
+                </a:tc>
+                <a:tc>
+                  <a:txBody>
+                    <a:bodyPr/>
+                    <a:lstStyle/>
+                    <a:p>
+                      <a:r>
+                        <a:t>Downloaded</a:t>
+                      </a:r>
+                    </a:p>
+                  </a:txBody>
+                  <a:tcPr/>
+                </a:tc>
+                <a:tc>
+                  <a:txBody>
+                    <a:bodyPr/>
+                    <a:lstStyle/>
+                    <a:p>
+                      <a:r>
+                        <a:t>Yet to Download</a:t>
+                      </a:r>
+                    </a:p>
+                  </a:txBody>
+                  <a:tcPr/>
+                </a:tc>
+                <a:tc>
+                  <a:txBody>
+                    <a:bodyPr/>
+                    <a:lstStyle/>
+                    <a:p>
+                      <a:r>
+                        <a:t>Total</a:t>
+                      </a:r>
+                    </a:p>
+                  </a:txBody>
+                  <a:tcPr/>
+                </a:tc>
+                <a:tc>
+                  <a:txBody>
+                    <a:bodyPr/>
+                    <a:lstStyle/>
+                    <a:p>
+                      <a:r>
+                        <a:t>% Download</a:t>
+                      </a:r>
+                    </a:p>
+                  </a:txBody>
+                  <a:tcPr/>
+                </a:tc>
+              </a:tr>
+              <a:tr h="365760">
+                <a:tc>
+                  <a:txBody>
+                    <a:bodyPr/>
+                    <a:lstStyle/>
+                    <a:p>
+                      <a:r>
+                        <a:t>Junior</a:t>
+                      </a:r>
+                    </a:p>
+                  </a:txBody>
+                  <a:tcPr/>
+                </a:tc>
+                <a:tc>
+                  <a:txBody>
+                    <a:bodyPr/>
+                    <a:lstStyle/>
+                    <a:p>
+                      <a:r>
+                        <a:t>2396</a:t>
+                      </a:r>
+                    </a:p>
+                  </a:txBody>
+                  <a:tcPr/>
+                </a:tc>
+                <a:tc>
+                  <a:txBody>
+                    <a:bodyPr/>
+                    <a:lstStyle/>
+                    <a:p>
+                      <a:r>
+                        <a:t>474</a:t>
+                      </a:r>
+                    </a:p>
+                  </a:txBody>
+                  <a:tcPr/>
+                </a:tc>
+                <a:tc>
+                  <a:txBody>
+                    <a:bodyPr/>
+                    <a:lstStyle/>
+                    <a:p>
+                      <a:r>
+                        <a:t>2870</a:t>
+                      </a:r>
+                    </a:p>
+                  </a:txBody>
+                  <a:tcPr/>
+                </a:tc>
+                <a:tc>
+                  <a:txBody>
+                    <a:bodyPr/>
+                    <a:lstStyle/>
+                    <a:p>
+                      <a:r>
+                        <a:t>83%</a:t>
+                      </a:r>
+                    </a:p>
+                  </a:txBody>
+                  <a:tcPr/>
+                </a:tc>
+              </a:tr>
+              <a:tr h="365760">
+                <a:tc>
+                  <a:txBody>
+                    <a:bodyPr/>
+                    <a:lstStyle/>
+                    <a:p>
+                      <a:r>
+                        <a:t>Middle</a:t>
+                      </a:r>
+                    </a:p>
+                  </a:txBody>
+                  <a:tcPr/>
+                </a:tc>
+                <a:tc>
+                  <a:txBody>
+                    <a:bodyPr/>
+                    <a:lstStyle/>
+                    <a:p>
+                      <a:r>
+                        <a:t>220</a:t>
+                      </a:r>
+                    </a:p>
+                  </a:txBody>
+                  <a:tcPr/>
+                </a:tc>
+                <a:tc>
+                  <a:txBody>
+                    <a:bodyPr/>
+                    <a:lstStyle/>
+                    <a:p>
+                      <a:r>
+                        <a:t>68</a:t>
+                      </a:r>
+                    </a:p>
+                  </a:txBody>
+                  <a:tcPr/>
+                </a:tc>
+                <a:tc>
+                  <a:txBody>
+                    <a:bodyPr/>
+                    <a:lstStyle/>
+                    <a:p>
+                      <a:r>
+                        <a:t>288</a:t>
+                      </a:r>
+                    </a:p>
+                  </a:txBody>
+                  <a:tcPr/>
+                </a:tc>
+                <a:tc>
+                  <a:txBody>
+                    <a:bodyPr/>
+                    <a:lstStyle/>
+                    <a:p>
+                      <a:r>
+                        <a:t>76%</a:t>
+                      </a:r>
+                    </a:p>
+                  </a:txBody>
+                  <a:tcPr/>
+                </a:tc>
+              </a:tr>
+              <a:tr h="365760">
+                <a:tc>
+                  <a:txBody>
+                    <a:bodyPr/>
+                    <a:lstStyle/>
+                    <a:p>
+                      <a:r>
+                        <a:t>Senior</a:t>
+                      </a:r>
+                    </a:p>
+                  </a:txBody>
+                  <a:tcPr/>
+                </a:tc>
+                <a:tc>
+                  <a:txBody>
+                    <a:bodyPr/>
+                    <a:lstStyle/>
+                    <a:p>
+                      <a:r>
+                        <a:t>25</a:t>
+                      </a:r>
+                    </a:p>
+                  </a:txBody>
+                  <a:tcPr/>
+                </a:tc>
+                <a:tc>
+                  <a:txBody>
+                    <a:bodyPr/>
+                    <a:lstStyle/>
+                    <a:p>
+                      <a:r>
+                        <a:t>9</a:t>
+                      </a:r>
+                    </a:p>
+                  </a:txBody>
+                  <a:tcPr/>
+                </a:tc>
+                <a:tc>
+                  <a:txBody>
+                    <a:bodyPr/>
+                    <a:lstStyle/>
+                    <a:p>
+                      <a:r>
+                        <a:t>34</a:t>
+                      </a:r>
+                    </a:p>
+                  </a:txBody>
+                  <a:tcPr/>
+                </a:tc>
+                <a:tc>
+                  <a:txBody>
+                    <a:bodyPr/>
+                    <a:lstStyle/>
+                    <a:p>
+                      <a:r>
+                        <a:t>74%</a:t>
+                      </a:r>
+                    </a:p>
+                  </a:txBody>
+                  <a:tcPr/>
+                </a:tc>
+              </a:tr>
+              <a:tr h="365760">
+                <a:tc>
+                  <a:txBody>
+                    <a:bodyPr/>
+                    <a:lstStyle/>
+                    <a:p>
+                      <a:r>
+                        <a:t>Total</a:t>
+                      </a:r>
+                    </a:p>
+                  </a:txBody>
+                  <a:tcPr/>
+                </a:tc>
+                <a:tc>
+                  <a:txBody>
+                    <a:bodyPr/>
+                    <a:lstStyle/>
+                    <a:p>
+                      <a:r>
+                        <a:t>2641</a:t>
+                      </a:r>
+                    </a:p>
+                  </a:txBody>
+                  <a:tcPr/>
+                </a:tc>
+                <a:tc>
+                  <a:txBody>
+                    <a:bodyPr/>
+                    <a:lstStyle/>
+                    <a:p>
+                      <a:r>
+                        <a:t>551</a:t>
+                      </a:r>
+                    </a:p>
+                  </a:txBody>
+                  <a:tcPr/>
+                </a:tc>
+                <a:tc>
+                  <a:txBody>
+                    <a:bodyPr/>
+                    <a:lstStyle/>
+                    <a:p>
+                      <a:r>
+                        <a:t>3192</a:t>
+                      </a:r>
+                    </a:p>
+                  </a:txBody>
+                  <a:tcPr/>
+                </a:tc>
+                <a:tc>
+                  <a:txBody>
+                    <a:bodyPr/>
+                    <a:lstStyle/>
+                    <a:p>
+                      <a:r>
+                        <a:t>83%</a:t>
+                      </a:r>
+                    </a:p>
+                  </a:txBody>
+                  <a:tcPr/>
+                </a:tc>
+              </a:tr>
+            </a:tbl>
+          </a:graphicData>
+        </a:graphic>
+      </p:graphicFrame>
+    </p:spTree>
+  </p:cSld>
+  <p:clrMapOvr>
+    <a:masterClrMapping/>
+  </p:clrMapOvr>
+</p:sld>
+</file>
+
+<file path=ppt/slides/slide3.xml><?xml version="1.0" encoding="utf-8"?>
+<p:sld xmlns:a="http://schemas.openxmlformats.org/drawingml/2006/main" xmlns:p="http://schemas.openxmlformats.org/presentationml/2006/main" xmlns:r="http://schemas.openxmlformats.org/officeDocument/2006/relationships">
+  <p:cSld>
+    <p:spTree>
+      <p:nvGrpSpPr>
+        <p:cNvPr id="1" name=""/>
+        <p:cNvGrpSpPr/>
+        <p:nvPr/>
+      </p:nvGrpSpPr>
+      <p:grpSpPr/>
+      <p:sp>
+        <p:nvSpPr>
+          <p:cNvPr id="2" name="Title 1"/>
+          <p:cNvSpPr>
+            <a:spLocks noGrp="1"/>
+          </p:cNvSpPr>
+          <p:nvPr>
+            <p:ph type="title"/>
+          </p:nvPr>
+        </p:nvSpPr>
+        <p:spPr/>
+        <p:txBody>
+          <a:bodyPr/>
+          <a:lstStyle/>
+          <a:p>
+            <a:r>
+              <a:rPr sz="4400" b="1"/>
+              <a:t>Learn Status</a:t>
+            </a:r>
+          </a:p>
+        </p:txBody>
+      </p:sp>
+      <p:pic>
+        <p:nvPicPr>
+          <p:cNvPr id="3" name="Picture 2" descr="SeekLogo.png"/>
+          <p:cNvPicPr>
+            <a:picLocks noChangeAspect="1"/>
+          </p:cNvPicPr>
+          <p:nvPr/>
+        </p:nvPicPr>
+        <p:blipFill>
+          <a:blip r:embed="rId2"/>
+          <a:stretch>
+            <a:fillRect/>
+          </a:stretch>
+        </p:blipFill>
+        <p:spPr>
+          <a:xfrm>
+            <a:off x="8293608" y="18288"/>
+            <a:ext cx="841248" cy="768096"/>
+          </a:xfrm>
+          <a:prstGeom prst="rect">
+            <a:avLst/>
+          </a:prstGeom>
+        </p:spPr>
+      </p:pic>
+      <p:graphicFrame>
+        <p:nvGraphicFramePr>
+          <p:cNvPr id="4" name="Table 3"/>
+          <p:cNvGraphicFramePr>
+            <a:graphicFrameLocks noGrp="1"/>
+          </p:cNvGraphicFramePr>
+          <p:nvPr/>
+        </p:nvGraphicFramePr>
+        <p:xfrm>
+          <a:off x="182880" y="1371600"/>
+          <a:ext cx="8778240" cy="1828800"/>
+        </p:xfrm>
+        <a:graphic>
+          <a:graphicData uri="http://schemas.openxmlformats.org/drawingml/2006/table">
+            <a:tbl>
+              <a:tblPr firstRow="1" bandRow="1">
+                <a:tableStyleId>{5C22544A-7EE6-4342-B048-85BDC9FD1C3A}</a:tableStyleId>
+              </a:tblPr>
+              <a:tblGrid>
+                <a:gridCol w="1463040"/>
+                <a:gridCol w="1463040"/>
+                <a:gridCol w="1463040"/>
+                <a:gridCol w="1463040"/>
+                <a:gridCol w="1463040"/>
+                <a:gridCol w="1463040"/>
+              </a:tblGrid>
+              <a:tr h="365760">
+                <a:tc>
+                  <a:txBody>
+                    <a:bodyPr/>
+                    <a:lstStyle/>
+                    <a:p/>
+                  </a:txBody>
+                  <a:tcPr/>
+                </a:tc>
+                <a:tc>
+                  <a:txBody>
+                    <a:bodyPr/>
+                    <a:lstStyle/>
+                    <a:p>
+                      <a:r>
+                        <a:t>Active Listening</a:t>
+                      </a:r>
+                    </a:p>
+                  </a:txBody>
+                  <a:tcPr/>
+                </a:tc>
+                <a:tc>
+                  <a:txBody>
+                    <a:bodyPr/>
+                    <a:lstStyle/>
+                    <a:p>
+                      <a:r>
+                        <a:t>Coping with Change</a:t>
+                      </a:r>
+                    </a:p>
+                  </a:txBody>
+                  <a:tcPr/>
+                </a:tc>
+                <a:tc>
+                  <a:txBody>
+                    <a:bodyPr/>
+                    <a:lstStyle/>
+                    <a:p>
+                      <a:r>
+                        <a:t>Dealing with Crises</a:t>
+                      </a:r>
+                    </a:p>
+                  </a:txBody>
+                  <a:tcPr/>
+                </a:tc>
+                <a:tc>
+                  <a:txBody>
+                    <a:bodyPr/>
+                    <a:lstStyle/>
+                    <a:p>
+                      <a:r>
+                        <a:t>Excellence</a:t>
+                      </a:r>
+                    </a:p>
+                  </a:txBody>
+                  <a:tcPr/>
+                </a:tc>
+                <a:tc>
+                  <a:txBody>
+                    <a:bodyPr/>
+                    <a:lstStyle/>
+                    <a:p>
+                      <a:r>
+                        <a:t>Feedback Skills</a:t>
+                      </a:r>
+                    </a:p>
+                  </a:txBody>
+                  <a:tcPr/>
+                </a:tc>
+              </a:tr>
+              <a:tr h="365760">
+                <a:tc>
+                  <a:txBody>
+                    <a:bodyPr/>
+                    <a:lstStyle/>
+                    <a:p>
+                      <a:r>
+                        <a:t>Junior</a:t>
+                      </a:r>
+                    </a:p>
+                  </a:txBody>
+                  <a:tcPr/>
+                </a:tc>
+                <a:tc>
+                  <a:txBody>
+                    <a:bodyPr/>
+                    <a:lstStyle/>
+                    <a:p>
+                      <a:r>
+                        <a:t>9</a:t>
+                      </a:r>
+                    </a:p>
+                  </a:txBody>
+                  <a:tcPr/>
+                </a:tc>
+                <a:tc>
+                  <a:txBody>
+                    <a:bodyPr/>
+                    <a:lstStyle/>
+                    <a:p>
+                      <a:r>
+                        <a:t>376</a:t>
+                      </a:r>
+                    </a:p>
+                  </a:txBody>
+                  <a:tcPr/>
+                </a:tc>
+                <a:tc>
+                  <a:txBody>
+                    <a:bodyPr/>
+                    <a:lstStyle/>
+                    <a:p>
+                      <a:r>
+                        <a:t>32</a:t>
+                      </a:r>
+                    </a:p>
+                  </a:txBody>
+                  <a:tcPr/>
+                </a:tc>
+                <a:tc>
+                  <a:txBody>
+                    <a:bodyPr/>
+                    <a:lstStyle/>
+                    <a:p>
+                      <a:r>
+                        <a:t>18</a:t>
+                      </a:r>
+                    </a:p>
+                  </a:txBody>
+                  <a:tcPr/>
+                </a:tc>
+                <a:tc>
+                  <a:txBody>
+                    <a:bodyPr/>
+                    <a:lstStyle/>
+                    <a:p>
+                      <a:r>
+                        <a:t>161</a:t>
+                      </a:r>
+                    </a:p>
+                  </a:txBody>
+                  <a:tcPr/>
+                </a:tc>
+              </a:tr>
+              <a:tr h="365760">
+                <a:tc>
+                  <a:txBody>
+                    <a:bodyPr/>
+                    <a:lstStyle/>
+                    <a:p>
+                      <a:r>
+                        <a:t>Middle</a:t>
+                      </a:r>
+                    </a:p>
+                  </a:txBody>
+                  <a:tcPr/>
+                </a:tc>
+                <a:tc>
+                  <a:txBody>
+                    <a:bodyPr/>
+                    <a:lstStyle/>
+                    <a:p>
+                      <a:r>
+                        <a:t>1</a:t>
+                      </a:r>
+                    </a:p>
+                  </a:txBody>
+                  <a:tcPr/>
+                </a:tc>
+                <a:tc>
+                  <a:txBody>
+                    <a:bodyPr/>
+                    <a:lstStyle/>
+                    <a:p>
+                      <a:r>
+                        <a:t>21</a:t>
+                      </a:r>
+                    </a:p>
+                  </a:txBody>
+                  <a:tcPr/>
+                </a:tc>
+                <a:tc>
+                  <a:txBody>
+                    <a:bodyPr/>
+                    <a:lstStyle/>
+                    <a:p>
+                      <a:r>
+                        <a:t>0</a:t>
+                      </a:r>
+                    </a:p>
+                  </a:txBody>
+                  <a:tcPr/>
+                </a:tc>
+                <a:tc>
+                  <a:txBody>
+                    <a:bodyPr/>
+                    <a:lstStyle/>
+                    <a:p>
+                      <a:r>
+                        <a:t>3</a:t>
+                      </a:r>
+                    </a:p>
+                  </a:txBody>
+                  <a:tcPr/>
+                </a:tc>
+                <a:tc>
+                  <a:txBody>
+                    <a:bodyPr/>
+                    <a:lstStyle/>
+                    <a:p>
+                      <a:r>
+                        <a:t>35</a:t>
+                      </a:r>
+                    </a:p>
+                  </a:txBody>
+                  <a:tcPr/>
+                </a:tc>
+              </a:tr>
+              <a:tr h="365760">
+                <a:tc>
+                  <a:txBody>
+                    <a:bodyPr/>
+                    <a:lstStyle/>
+                    <a:p>
+                      <a:r>
+                        <a:t>Senior</a:t>
+                      </a:r>
+                    </a:p>
+                  </a:txBody>
+                  <a:tcPr/>
+                </a:tc>
+                <a:tc>
+                  <a:txBody>
+                    <a:bodyPr/>
+                    <a:lstStyle/>
+                    <a:p>
+                      <a:r>
+                        <a:t>0</a:t>
+                      </a:r>
+                    </a:p>
+                  </a:txBody>
+                  <a:tcPr/>
+                </a:tc>
+                <a:tc>
+                  <a:txBody>
+                    <a:bodyPr/>
+                    <a:lstStyle/>
+                    <a:p>
+                      <a:r>
+                        <a:t>8</a:t>
+                      </a:r>
+                    </a:p>
+                  </a:txBody>
+                  <a:tcPr/>
+                </a:tc>
+                <a:tc>
+                  <a:txBody>
+                    <a:bodyPr/>
+                    <a:lstStyle/>
+                    <a:p>
+                      <a:r>
+                        <a:t>0</a:t>
+                      </a:r>
+                    </a:p>
+                  </a:txBody>
+                  <a:tcPr/>
+                </a:tc>
+                <a:tc>
+                  <a:txBody>
+                    <a:bodyPr/>
+                    <a:lstStyle/>
+                    <a:p>
+                      <a:r>
+                        <a:t>0</a:t>
+                      </a:r>
+                    </a:p>
+                  </a:txBody>
+                  <a:tcPr/>
+                </a:tc>
+                <a:tc>
+                  <a:txBody>
+                    <a:bodyPr/>
+                    <a:lstStyle/>
+                    <a:p>
+                      <a:r>
+                        <a:t>0</a:t>
+                      </a:r>
+                    </a:p>
+                  </a:txBody>
+                  <a:tcPr/>
+                </a:tc>
+              </a:tr>
+              <a:tr h="365760">
+                <a:tc>
+                  <a:txBody>
+                    <a:bodyPr/>
+                    <a:lstStyle/>
+                    <a:p>
+                      <a:r>
+                        <a:t>Total</a:t>
+                      </a:r>
+                    </a:p>
+                  </a:txBody>
+                  <a:tcPr/>
+                </a:tc>
+                <a:tc>
+                  <a:txBody>
+                    <a:bodyPr/>
+                    <a:lstStyle/>
+                    <a:p>
+                      <a:r>
+                        <a:t>10</a:t>
+                      </a:r>
+                    </a:p>
+                  </a:txBody>
+                  <a:tcPr/>
+                </a:tc>
+                <a:tc>
+                  <a:txBody>
+                    <a:bodyPr/>
+                    <a:lstStyle/>
+                    <a:p>
+                      <a:r>
+                        <a:t>405</a:t>
+                      </a:r>
+                    </a:p>
+                  </a:txBody>
+                  <a:tcPr/>
+                </a:tc>
+                <a:tc>
+                  <a:txBody>
+                    <a:bodyPr/>
+                    <a:lstStyle/>
+                    <a:p>
+                      <a:r>
+                        <a:t>32</a:t>
+                      </a:r>
+                    </a:p>
+                  </a:txBody>
+                  <a:tcPr/>
+                </a:tc>
+                <a:tc>
+                  <a:txBody>
+                    <a:bodyPr/>
+                    <a:lstStyle/>
+                    <a:p>
+                      <a:r>
+                        <a:t>21</a:t>
+                      </a:r>
+                    </a:p>
+                  </a:txBody>
+                  <a:tcPr/>
+                </a:tc>
+                <a:tc>
+                  <a:txBody>
+                    <a:bodyPr/>
+                    <a:lstStyle/>
+                    <a:p>
+                      <a:r>
+                        <a:t>196</a:t>
+                      </a:r>
+                    </a:p>
+                  </a:txBody>
+                  <a:tcPr/>
+                </a:tc>
+              </a:tr>
+            </a:tbl>
+          </a:graphicData>
+        </a:graphic>
+      </p:graphicFrame>
+    </p:spTree>
+  </p:cSld>
+  <p:clrMapOvr>
+    <a:masterClrMapping/>
+  </p:clrMapOvr>
+</p:sld>
+</file>
+
+<file path=ppt/slides/slide4.xml><?xml version="1.0" encoding="utf-8"?>
+<p:sld xmlns:a="http://schemas.openxmlformats.org/drawingml/2006/main" xmlns:p="http://schemas.openxmlformats.org/presentationml/2006/main" xmlns:r="http://schemas.openxmlformats.org/officeDocument/2006/relationships">
+  <p:cSld>
+    <p:spTree>
+      <p:nvGrpSpPr>
+        <p:cNvPr id="1" name=""/>
+        <p:cNvGrpSpPr/>
+        <p:nvPr/>
+      </p:nvGrpSpPr>
+      <p:grpSpPr/>
+      <p:sp>
+        <p:nvSpPr>
+          <p:cNvPr id="2" name="Title 1"/>
+          <p:cNvSpPr>
+            <a:spLocks noGrp="1"/>
+          </p:cNvSpPr>
+          <p:nvPr>
+            <p:ph type="title"/>
+          </p:nvPr>
+        </p:nvSpPr>
+        <p:spPr/>
+        <p:txBody>
+          <a:bodyPr/>
+          <a:lstStyle/>
+          <a:p>
+            <a:r>
+              <a:rPr sz="4400" b="1"/>
+              <a:t>Learn Status Continued</a:t>
+            </a:r>
+          </a:p>
+        </p:txBody>
+      </p:sp>
+      <p:pic>
+        <p:nvPicPr>
+          <p:cNvPr id="3" name="Picture 2" descr="SeekLogo.png"/>
+          <p:cNvPicPr>
+            <a:picLocks noChangeAspect="1"/>
+          </p:cNvPicPr>
+          <p:nvPr/>
+        </p:nvPicPr>
+        <p:blipFill>
+          <a:blip r:embed="rId2"/>
+          <a:stretch>
+            <a:fillRect/>
+          </a:stretch>
+        </p:blipFill>
+        <p:spPr>
+          <a:xfrm>
+            <a:off x="8293608" y="18288"/>
+            <a:ext cx="841248" cy="768096"/>
+          </a:xfrm>
+          <a:prstGeom prst="rect">
+            <a:avLst/>
+          </a:prstGeom>
+        </p:spPr>
+      </p:pic>
+      <p:graphicFrame>
+        <p:nvGraphicFramePr>
+          <p:cNvPr id="4" name="Table 3"/>
+          <p:cNvGraphicFramePr>
+            <a:graphicFrameLocks noGrp="1"/>
+          </p:cNvGraphicFramePr>
+          <p:nvPr/>
+        </p:nvGraphicFramePr>
+        <p:xfrm>
+          <a:off x="182880" y="1371600"/>
+          <a:ext cx="8778240" cy="1828800"/>
+        </p:xfrm>
+        <a:graphic>
+          <a:graphicData uri="http://schemas.openxmlformats.org/drawingml/2006/table">
+            <a:tbl>
+              <a:tblPr firstRow="1" bandRow="1">
+                <a:tableStyleId>{5C22544A-7EE6-4342-B048-85BDC9FD1C3A}</a:tableStyleId>
+              </a:tblPr>
+              <a:tblGrid>
+                <a:gridCol w="1463040"/>
+                <a:gridCol w="1463040"/>
+                <a:gridCol w="1463040"/>
+                <a:gridCol w="1463040"/>
+                <a:gridCol w="1463040"/>
+                <a:gridCol w="1463040"/>
+              </a:tblGrid>
+              <a:tr h="365760">
+                <a:tc>
+                  <a:txBody>
+                    <a:bodyPr/>
+                    <a:lstStyle/>
+                    <a:p/>
+                  </a:txBody>
+                  <a:tcPr/>
+                </a:tc>
+                <a:tc>
+                  <a:txBody>
+                    <a:bodyPr/>
+                    <a:lstStyle/>
+                    <a:p>
+                      <a:r>
+                        <a:t>First Impressions</a:t>
+                      </a:r>
+                    </a:p>
+                  </a:txBody>
+                  <a:tcPr/>
+                </a:tc>
+                <a:tc>
+                  <a:txBody>
+                    <a:bodyPr/>
+                    <a:lstStyle/>
+                    <a:p>
+                      <a:r>
+                        <a:t>Getting to Yes</a:t>
+                      </a:r>
+                    </a:p>
+                  </a:txBody>
+                  <a:tcPr/>
+                </a:tc>
+                <a:tc>
+                  <a:txBody>
+                    <a:bodyPr/>
+                    <a:lstStyle/>
+                    <a:p>
+                      <a:r>
+                        <a:t>Goal Setting</a:t>
+                      </a:r>
+                    </a:p>
+                  </a:txBody>
+                  <a:tcPr/>
+                </a:tc>
+                <a:tc>
+                  <a:txBody>
+                    <a:bodyPr/>
+                    <a:lstStyle/>
+                    <a:p>
+                      <a:r>
+                        <a:t>Gratitude For Success</a:t>
+                      </a:r>
+                    </a:p>
+                  </a:txBody>
+                  <a:tcPr/>
+                </a:tc>
+                <a:tc>
+                  <a:txBody>
+                    <a:bodyPr/>
+                    <a:lstStyle/>
+                    <a:p>
+                      <a:r>
+                        <a:t>Induction</a:t>
+                      </a:r>
+                    </a:p>
+                  </a:txBody>
+                  <a:tcPr/>
+                </a:tc>
+              </a:tr>
+              <a:tr h="365760">
+                <a:tc>
+                  <a:txBody>
+                    <a:bodyPr/>
+                    <a:lstStyle/>
+                    <a:p>
+                      <a:r>
+                        <a:t>Junior</a:t>
+                      </a:r>
+                    </a:p>
+                  </a:txBody>
+                  <a:tcPr/>
+                </a:tc>
+                <a:tc>
+                  <a:txBody>
+                    <a:bodyPr/>
+                    <a:lstStyle/>
+                    <a:p>
+                      <a:r>
+                        <a:t>38</a:t>
+                      </a:r>
+                    </a:p>
+                  </a:txBody>
+                  <a:tcPr/>
+                </a:tc>
+                <a:tc>
+                  <a:txBody>
+                    <a:bodyPr/>
+                    <a:lstStyle/>
+                    <a:p>
+                      <a:r>
+                        <a:t>17</a:t>
+                      </a:r>
+                    </a:p>
+                  </a:txBody>
+                  <a:tcPr/>
+                </a:tc>
+                <a:tc>
+                  <a:txBody>
+                    <a:bodyPr/>
+                    <a:lstStyle/>
+                    <a:p>
+                      <a:r>
+                        <a:t>48</a:t>
+                      </a:r>
+                    </a:p>
+                  </a:txBody>
+                  <a:tcPr/>
+                </a:tc>
+                <a:tc>
+                  <a:txBody>
+                    <a:bodyPr/>
+                    <a:lstStyle/>
+                    <a:p>
+                      <a:r>
+                        <a:t>616</a:t>
+                      </a:r>
+                    </a:p>
+                  </a:txBody>
+                  <a:tcPr/>
+                </a:tc>
+                <a:tc>
+                  <a:txBody>
+                    <a:bodyPr/>
+                    <a:lstStyle/>
+                    <a:p>
+                      <a:r>
+                        <a:t>0</a:t>
+                      </a:r>
+                    </a:p>
+                  </a:txBody>
+                  <a:tcPr/>
+                </a:tc>
+              </a:tr>
+              <a:tr h="365760">
+                <a:tc>
+                  <a:txBody>
+                    <a:bodyPr/>
+                    <a:lstStyle/>
+                    <a:p>
+                      <a:r>
+                        <a:t>Middle</a:t>
+                      </a:r>
+                    </a:p>
+                  </a:txBody>
+                  <a:tcPr/>
+                </a:tc>
+                <a:tc>
+                  <a:txBody>
+                    <a:bodyPr/>
+                    <a:lstStyle/>
+                    <a:p>
+                      <a:r>
+                        <a:t>0</a:t>
+                      </a:r>
+                    </a:p>
+                  </a:txBody>
+                  <a:tcPr/>
+                </a:tc>
+                <a:tc>
+                  <a:txBody>
+                    <a:bodyPr/>
+                    <a:lstStyle/>
+                    <a:p>
+                      <a:r>
+                        <a:t>0</a:t>
+                      </a:r>
+                    </a:p>
+                  </a:txBody>
+                  <a:tcPr/>
+                </a:tc>
+                <a:tc>
+                  <a:txBody>
+                    <a:bodyPr/>
+                    <a:lstStyle/>
+                    <a:p>
+                      <a:r>
+                        <a:t>5</a:t>
+                      </a:r>
+                    </a:p>
+                  </a:txBody>
+                  <a:tcPr/>
+                </a:tc>
+                <a:tc>
+                  <a:txBody>
+                    <a:bodyPr/>
+                    <a:lstStyle/>
+                    <a:p>
+                      <a:r>
+                        <a:t>82</a:t>
+                      </a:r>
+                    </a:p>
+                  </a:txBody>
+                  <a:tcPr/>
+                </a:tc>
+                <a:tc>
+                  <a:txBody>
+                    <a:bodyPr/>
+                    <a:lstStyle/>
+                    <a:p>
+                      <a:r>
+                        <a:t>1</a:t>
+                      </a:r>
+                    </a:p>
+                  </a:txBody>
+                  <a:tcPr/>
+                </a:tc>
+              </a:tr>
+              <a:tr h="365760">
+                <a:tc>
+                  <a:txBody>
+                    <a:bodyPr/>
+                    <a:lstStyle/>
+                    <a:p>
+                      <a:r>
+                        <a:t>Senior</a:t>
+                      </a:r>
+                    </a:p>
+                  </a:txBody>
+                  <a:tcPr/>
+                </a:tc>
+                <a:tc>
+                  <a:txBody>
+                    <a:bodyPr/>
+                    <a:lstStyle/>
+                    <a:p>
+                      <a:r>
+                        <a:t>0</a:t>
+                      </a:r>
+                    </a:p>
+                  </a:txBody>
+                  <a:tcPr/>
+                </a:tc>
+                <a:tc>
+                  <a:txBody>
+                    <a:bodyPr/>
+                    <a:lstStyle/>
+                    <a:p>
+                      <a:r>
+                        <a:t>0</a:t>
+                      </a:r>
+                    </a:p>
+                  </a:txBody>
+                  <a:tcPr/>
+                </a:tc>
+                <a:tc>
+                  <a:txBody>
+                    <a:bodyPr/>
+                    <a:lstStyle/>
+                    <a:p>
+                      <a:r>
+                        <a:t>0</a:t>
+                      </a:r>
+                    </a:p>
+                  </a:txBody>
+                  <a:tcPr/>
+                </a:tc>
+                <a:tc>
+                  <a:txBody>
+                    <a:bodyPr/>
+                    <a:lstStyle/>
+                    <a:p>
+                      <a:r>
+                        <a:t>6</a:t>
+                      </a:r>
+                    </a:p>
+                  </a:txBody>
+                  <a:tcPr/>
+                </a:tc>
+                <a:tc>
+                  <a:txBody>
+                    <a:bodyPr/>
+                    <a:lstStyle/>
+                    <a:p>
+                      <a:r>
+                        <a:t>0</a:t>
+                      </a:r>
+                    </a:p>
+                  </a:txBody>
+                  <a:tcPr/>
+                </a:tc>
+              </a:tr>
+              <a:tr h="365760">
+                <a:tc>
+                  <a:txBody>
+                    <a:bodyPr/>
+                    <a:lstStyle/>
+                    <a:p>
+                      <a:r>
+                        <a:t>Total</a:t>
+                      </a:r>
+                    </a:p>
+                  </a:txBody>
+                  <a:tcPr/>
+                </a:tc>
+                <a:tc>
+                  <a:txBody>
+                    <a:bodyPr/>
+                    <a:lstStyle/>
+                    <a:p>
+                      <a:r>
+                        <a:t>38</a:t>
+                      </a:r>
+                    </a:p>
+                  </a:txBody>
+                  <a:tcPr/>
+                </a:tc>
+                <a:tc>
+                  <a:txBody>
+                    <a:bodyPr/>
+                    <a:lstStyle/>
+                    <a:p>
+                      <a:r>
+                        <a:t>17</a:t>
+                      </a:r>
+                    </a:p>
+                  </a:txBody>
+                  <a:tcPr/>
+                </a:tc>
+                <a:tc>
+                  <a:txBody>
+                    <a:bodyPr/>
+                    <a:lstStyle/>
+                    <a:p>
+                      <a:r>
+                        <a:t>53</a:t>
+                      </a:r>
+                    </a:p>
+                  </a:txBody>
+                  <a:tcPr/>
+                </a:tc>
+                <a:tc>
+                  <a:txBody>
+                    <a:bodyPr/>
+                    <a:lstStyle/>
+                    <a:p>
+                      <a:r>
+                        <a:t>704</a:t>
+                      </a:r>
+                    </a:p>
+                  </a:txBody>
+                  <a:tcPr/>
+                </a:tc>
+                <a:tc>
+                  <a:txBody>
+                    <a:bodyPr/>
+                    <a:lstStyle/>
+                    <a:p>
+                      <a:r>
+                        <a:t>1</a:t>
+                      </a:r>
+                    </a:p>
+                  </a:txBody>
+                  <a:tcPr/>
+                </a:tc>
+              </a:tr>
+            </a:tbl>
+          </a:graphicData>
+        </a:graphic>
+      </p:graphicFrame>
+    </p:spTree>
+  </p:cSld>
+  <p:clrMapOvr>
+    <a:masterClrMapping/>
+  </p:clrMapOvr>
+</p:sld>
+</file>
+
+<file path=ppt/slides/slide5.xml><?xml version="1.0" encoding="utf-8"?>
+<p:sld xmlns:a="http://schemas.openxmlformats.org/drawingml/2006/main" xmlns:p="http://schemas.openxmlformats.org/presentationml/2006/main" xmlns:r="http://schemas.openxmlformats.org/officeDocument/2006/relationships">
+  <p:cSld>
+    <p:spTree>
+      <p:nvGrpSpPr>
+        <p:cNvPr id="1" name=""/>
+        <p:cNvGrpSpPr/>
+        <p:nvPr/>
+      </p:nvGrpSpPr>
+      <p:grpSpPr/>
+      <p:sp>
+        <p:nvSpPr>
+          <p:cNvPr id="2" name="Title 1"/>
+          <p:cNvSpPr>
+            <a:spLocks noGrp="1"/>
+          </p:cNvSpPr>
+          <p:nvPr>
+            <p:ph type="title"/>
+          </p:nvPr>
+        </p:nvSpPr>
+        <p:spPr/>
+        <p:txBody>
+          <a:bodyPr/>
+          <a:lstStyle/>
+          <a:p>
+            <a:r>
+              <a:rPr sz="4400" b="1"/>
+              <a:t>Learn Status Continued</a:t>
+            </a:r>
+          </a:p>
+        </p:txBody>
+      </p:sp>
+      <p:pic>
+        <p:nvPicPr>
+          <p:cNvPr id="3" name="Picture 2" descr="SeekLogo.png"/>
+          <p:cNvPicPr>
+            <a:picLocks noChangeAspect="1"/>
+          </p:cNvPicPr>
+          <p:nvPr/>
+        </p:nvPicPr>
+        <p:blipFill>
+          <a:blip r:embed="rId2"/>
+          <a:stretch>
+            <a:fillRect/>
+          </a:stretch>
+        </p:blipFill>
+        <p:spPr>
+          <a:xfrm>
+            <a:off x="8293608" y="18288"/>
+            <a:ext cx="841248" cy="768096"/>
+          </a:xfrm>
+          <a:prstGeom prst="rect">
+            <a:avLst/>
+          </a:prstGeom>
+        </p:spPr>
+      </p:pic>
+      <p:graphicFrame>
+        <p:nvGraphicFramePr>
+          <p:cNvPr id="4" name="Table 3"/>
+          <p:cNvGraphicFramePr>
+            <a:graphicFrameLocks noGrp="1"/>
+          </p:cNvGraphicFramePr>
+          <p:nvPr/>
+        </p:nvGraphicFramePr>
+        <p:xfrm>
+          <a:off x="182880" y="1371600"/>
+          <a:ext cx="8778240" cy="1828800"/>
+        </p:xfrm>
+        <a:graphic>
+          <a:graphicData uri="http://schemas.openxmlformats.org/drawingml/2006/table">
+            <a:tbl>
+              <a:tblPr firstRow="1" bandRow="1">
+                <a:tableStyleId>{5C22544A-7EE6-4342-B048-85BDC9FD1C3A}</a:tableStyleId>
+              </a:tblPr>
+              <a:tblGrid>
+                <a:gridCol w="1463040"/>
+                <a:gridCol w="1463040"/>
+                <a:gridCol w="1463040"/>
+                <a:gridCol w="1463040"/>
+                <a:gridCol w="1463040"/>
+                <a:gridCol w="1463040"/>
+              </a:tblGrid>
+              <a:tr h="365760">
+                <a:tc>
+                  <a:txBody>
+                    <a:bodyPr/>
+                    <a:lstStyle/>
+                    <a:p/>
+                  </a:txBody>
+                  <a:tcPr/>
+                </a:tc>
+                <a:tc>
+                  <a:txBody>
+                    <a:bodyPr/>
+                    <a:lstStyle/>
+                    <a:p>
+                      <a:r>
+                        <a:t>Ken Blanchard's Balances Work And Life</a:t>
+                      </a:r>
+                    </a:p>
+                  </a:txBody>
+                  <a:tcPr/>
+                </a:tc>
+                <a:tc>
+                  <a:txBody>
+                    <a:bodyPr/>
+                    <a:lstStyle/>
+                    <a:p>
+                      <a:r>
+                        <a:t>Leaders and Leadership Styles</a:t>
+                      </a:r>
+                    </a:p>
+                  </a:txBody>
+                  <a:tcPr/>
+                </a:tc>
+                <a:tc>
+                  <a:txBody>
+                    <a:bodyPr/>
+                    <a:lstStyle/>
+                    <a:p>
+                      <a:r>
+                        <a:t>Listening Skills - CPD</a:t>
+                      </a:r>
+                    </a:p>
+                  </a:txBody>
+                  <a:tcPr/>
+                </a:tc>
+                <a:tc>
+                  <a:txBody>
+                    <a:bodyPr/>
+                    <a:lstStyle/>
+                    <a:p>
+                      <a:r>
+                        <a:t>Managing Oneself</a:t>
+                      </a:r>
+                    </a:p>
+                  </a:txBody>
+                  <a:tcPr/>
+                </a:tc>
+                <a:tc>
+                  <a:txBody>
+                    <a:bodyPr/>
+                    <a:lstStyle/>
+                    <a:p>
+                      <a:r>
+                        <a:t>Negotiation</a:t>
+                      </a:r>
+                    </a:p>
+                  </a:txBody>
+                  <a:tcPr/>
+                </a:tc>
+              </a:tr>
+              <a:tr h="365760">
+                <a:tc>
+                  <a:txBody>
+                    <a:bodyPr/>
+                    <a:lstStyle/>
+                    <a:p>
+                      <a:r>
+                        <a:t>Junior</a:t>
+                      </a:r>
+                    </a:p>
+                  </a:txBody>
+                  <a:tcPr/>
+                </a:tc>
+                <a:tc>
+                  <a:txBody>
+                    <a:bodyPr/>
+                    <a:lstStyle/>
+                    <a:p>
+                      <a:r>
+                        <a:t>28</a:t>
+                      </a:r>
+                    </a:p>
+                  </a:txBody>
+                  <a:tcPr/>
+                </a:tc>
+                <a:tc>
+                  <a:txBody>
+                    <a:bodyPr/>
+                    <a:lstStyle/>
+                    <a:p>
+                      <a:r>
+                        <a:t>23</a:t>
+                      </a:r>
+                    </a:p>
+                  </a:txBody>
+                  <a:tcPr/>
+                </a:tc>
+                <a:tc>
+                  <a:txBody>
+                    <a:bodyPr/>
+                    <a:lstStyle/>
+                    <a:p>
+                      <a:r>
+                        <a:t>53</a:t>
+                      </a:r>
+                    </a:p>
+                  </a:txBody>
+                  <a:tcPr/>
+                </a:tc>
+                <a:tc>
+                  <a:txBody>
+                    <a:bodyPr/>
+                    <a:lstStyle/>
+                    <a:p>
+                      <a:r>
+                        <a:t>16</a:t>
+                      </a:r>
+                    </a:p>
+                  </a:txBody>
+                  <a:tcPr/>
+                </a:tc>
+                <a:tc>
+                  <a:txBody>
+                    <a:bodyPr/>
+                    <a:lstStyle/>
+                    <a:p>
+                      <a:r>
+                        <a:t>39</a:t>
+                      </a:r>
+                    </a:p>
+                  </a:txBody>
+                  <a:tcPr/>
+                </a:tc>
+              </a:tr>
+              <a:tr h="365760">
+                <a:tc>
+                  <a:txBody>
+                    <a:bodyPr/>
+                    <a:lstStyle/>
+                    <a:p>
+                      <a:r>
+                        <a:t>Middle</a:t>
+                      </a:r>
+                    </a:p>
+                  </a:txBody>
+                  <a:tcPr/>
+                </a:tc>
+                <a:tc>
+                  <a:txBody>
+                    <a:bodyPr/>
+                    <a:lstStyle/>
+                    <a:p>
+                      <a:r>
+                        <a:t>7</a:t>
+                      </a:r>
+                    </a:p>
+                  </a:txBody>
+                  <a:tcPr/>
+                </a:tc>
+                <a:tc>
+                  <a:txBody>
+                    <a:bodyPr/>
+                    <a:lstStyle/>
+                    <a:p>
+                      <a:r>
+                        <a:t>9</a:t>
+                      </a:r>
+                    </a:p>
+                  </a:txBody>
+                  <a:tcPr/>
+                </a:tc>
+                <a:tc>
+                  <a:txBody>
+                    <a:bodyPr/>
+                    <a:lstStyle/>
+                    <a:p>
+                      <a:r>
+                        <a:t>0</a:t>
+                      </a:r>
+                    </a:p>
+                  </a:txBody>
+                  <a:tcPr/>
+                </a:tc>
+                <a:tc>
+                  <a:txBody>
+                    <a:bodyPr/>
+                    <a:lstStyle/>
+                    <a:p>
+                      <a:r>
+                        <a:t>0</a:t>
+                      </a:r>
+                    </a:p>
+                  </a:txBody>
+                  <a:tcPr/>
+                </a:tc>
+                <a:tc>
+                  <a:txBody>
+                    <a:bodyPr/>
+                    <a:lstStyle/>
+                    <a:p>
+                      <a:r>
+                        <a:t>0</a:t>
+                      </a:r>
+                    </a:p>
+                  </a:txBody>
+                  <a:tcPr/>
+                </a:tc>
+              </a:tr>
+              <a:tr h="365760">
+                <a:tc>
+                  <a:txBody>
+                    <a:bodyPr/>
+                    <a:lstStyle/>
+                    <a:p>
+                      <a:r>
+                        <a:t>Senior</a:t>
+                      </a:r>
+                    </a:p>
+                  </a:txBody>
+                  <a:tcPr/>
+                </a:tc>
+                <a:tc>
+                  <a:txBody>
+                    <a:bodyPr/>
+                    <a:lstStyle/>
+                    <a:p>
+                      <a:r>
+                        <a:t>0</a:t>
+                      </a:r>
+                    </a:p>
+                  </a:txBody>
+                  <a:tcPr/>
+                </a:tc>
+                <a:tc>
+                  <a:txBody>
+                    <a:bodyPr/>
+                    <a:lstStyle/>
+                    <a:p>
+                      <a:r>
+                        <a:t>0</a:t>
+                      </a:r>
+                    </a:p>
+                  </a:txBody>
+                  <a:tcPr/>
+                </a:tc>
+                <a:tc>
+                  <a:txBody>
+                    <a:bodyPr/>
+                    <a:lstStyle/>
+                    <a:p>
+                      <a:r>
+                        <a:t>0</a:t>
+                      </a:r>
+                    </a:p>
+                  </a:txBody>
+                  <a:tcPr/>
+                </a:tc>
+                <a:tc>
+                  <a:txBody>
+                    <a:bodyPr/>
+                    <a:lstStyle/>
+                    <a:p>
+                      <a:r>
+                        <a:t>0</a:t>
+                      </a:r>
+                    </a:p>
+                  </a:txBody>
+                  <a:tcPr/>
+                </a:tc>
+                <a:tc>
+                  <a:txBody>
+                    <a:bodyPr/>
+                    <a:lstStyle/>
+                    <a:p>
+                      <a:r>
+                        <a:t>0</a:t>
+                      </a:r>
+                    </a:p>
+                  </a:txBody>
+                  <a:tcPr/>
+                </a:tc>
+              </a:tr>
+              <a:tr h="365760">
+                <a:tc>
+                  <a:txBody>
+                    <a:bodyPr/>
+                    <a:lstStyle/>
+                    <a:p>
+                      <a:r>
+                        <a:t>Total</a:t>
+                      </a:r>
+                    </a:p>
+                  </a:txBody>
+                  <a:tcPr/>
+                </a:tc>
+                <a:tc>
+                  <a:txBody>
+                    <a:bodyPr/>
+                    <a:lstStyle/>
+                    <a:p>
+                      <a:r>
+                        <a:t>35</a:t>
+                      </a:r>
+                    </a:p>
+                  </a:txBody>
+                  <a:tcPr/>
+                </a:tc>
+                <a:tc>
+                  <a:txBody>
+                    <a:bodyPr/>
+                    <a:lstStyle/>
+                    <a:p>
+                      <a:r>
+                        <a:t>32</a:t>
+                      </a:r>
+                    </a:p>
+                  </a:txBody>
+                  <a:tcPr/>
+                </a:tc>
+                <a:tc>
+                  <a:txBody>
+                    <a:bodyPr/>
+                    <a:lstStyle/>
+                    <a:p>
+                      <a:r>
+                        <a:t>53</a:t>
+                      </a:r>
+                    </a:p>
+                  </a:txBody>
+                  <a:tcPr/>
+                </a:tc>
+                <a:tc>
+                  <a:txBody>
+                    <a:bodyPr/>
+                    <a:lstStyle/>
+                    <a:p>
+                      <a:r>
+                        <a:t>16</a:t>
+                      </a:r>
+                    </a:p>
+                  </a:txBody>
+                  <a:tcPr/>
+                </a:tc>
+                <a:tc>
+                  <a:txBody>
+                    <a:bodyPr/>
+                    <a:lstStyle/>
+                    <a:p>
+                      <a:r>
+                        <a:t>39</a:t>
+                      </a:r>
+                    </a:p>
+                  </a:txBody>
+                  <a:tcPr/>
+                </a:tc>
+              </a:tr>
+            </a:tbl>
+          </a:graphicData>
+        </a:graphic>
+      </p:graphicFrame>
+    </p:spTree>
+  </p:cSld>
+  <p:clrMapOvr>
+    <a:masterClrMapping/>
+  </p:clrMapOvr>
+</p:sld>
+</file>
+
+<file path=ppt/slides/slide6.xml><?xml version="1.0" encoding="utf-8"?>
+<p:sld xmlns:a="http://schemas.openxmlformats.org/drawingml/2006/main" xmlns:p="http://schemas.openxmlformats.org/presentationml/2006/main" xmlns:r="http://schemas.openxmlformats.org/officeDocument/2006/relationships">
+  <p:cSld>
+    <p:spTree>
+      <p:nvGrpSpPr>
+        <p:cNvPr id="1" name=""/>
+        <p:cNvGrpSpPr/>
+        <p:nvPr/>
+      </p:nvGrpSpPr>
+      <p:grpSpPr/>
+      <p:sp>
+        <p:nvSpPr>
+          <p:cNvPr id="2" name="Title 1"/>
+          <p:cNvSpPr>
+            <a:spLocks noGrp="1"/>
+          </p:cNvSpPr>
+          <p:nvPr>
+            <p:ph type="title"/>
+          </p:nvPr>
+        </p:nvSpPr>
+        <p:spPr/>
+        <p:txBody>
+          <a:bodyPr/>
+          <a:lstStyle/>
+          <a:p>
+            <a:r>
+              <a:rPr sz="4400" b="1"/>
+              <a:t>Learn Status Continued</a:t>
+            </a:r>
+          </a:p>
+        </p:txBody>
+      </p:sp>
+      <p:pic>
+        <p:nvPicPr>
+          <p:cNvPr id="3" name="Picture 2" descr="SeekLogo.png"/>
+          <p:cNvPicPr>
+            <a:picLocks noChangeAspect="1"/>
+          </p:cNvPicPr>
+          <p:nvPr/>
+        </p:nvPicPr>
+        <p:blipFill>
+          <a:blip r:embed="rId2"/>
+          <a:stretch>
+            <a:fillRect/>
+          </a:stretch>
+        </p:blipFill>
+        <p:spPr>
+          <a:xfrm>
+            <a:off x="8293608" y="18288"/>
+            <a:ext cx="841248" cy="768096"/>
+          </a:xfrm>
+          <a:prstGeom prst="rect">
+            <a:avLst/>
+          </a:prstGeom>
+        </p:spPr>
+      </p:pic>
+      <p:graphicFrame>
+        <p:nvGraphicFramePr>
+          <p:cNvPr id="4" name="Table 3"/>
+          <p:cNvGraphicFramePr>
+            <a:graphicFrameLocks noGrp="1"/>
+          </p:cNvGraphicFramePr>
+          <p:nvPr/>
+        </p:nvGraphicFramePr>
+        <p:xfrm>
+          <a:off x="182880" y="1371600"/>
+          <a:ext cx="7772400" cy="1828800"/>
+        </p:xfrm>
+        <a:graphic>
+          <a:graphicData uri="http://schemas.openxmlformats.org/drawingml/2006/table">
+            <a:tbl>
+              <a:tblPr firstRow="1" bandRow="1">
+                <a:tableStyleId>{5C22544A-7EE6-4342-B048-85BDC9FD1C3A}</a:tableStyleId>
+              </a:tblPr>
+              <a:tblGrid>
+                <a:gridCol w="2286000"/>
+                <a:gridCol w="2286000"/>
+                <a:gridCol w="2286000"/>
+                <a:gridCol w="914400"/>
+              </a:tblGrid>
+              <a:tr h="365760">
+                <a:tc>
+                  <a:txBody>
+                    <a:bodyPr/>
+                    <a:lstStyle/>
+                    <a:p/>
+                  </a:txBody>
+                  <a:tcPr/>
+                </a:tc>
+                <a:tc>
+                  <a:txBody>
+                    <a:bodyPr/>
+                    <a:lstStyle/>
+                    <a:p>
+                      <a:r>
+                        <a:t>Situational Leadership</a:t>
+                      </a:r>
+                    </a:p>
+                  </a:txBody>
+                  <a:tcPr/>
+                </a:tc>
+                <a:tc>
+                  <a:txBody>
+                    <a:bodyPr/>
+                    <a:lstStyle/>
+                    <a:p>
+                      <a:r>
+                        <a:t>Not on Learn</a:t>
+                      </a:r>
+                    </a:p>
+                  </a:txBody>
+                  <a:tcPr/>
+                </a:tc>
+                <a:tc>
+                  <a:txBody>
+                    <a:bodyPr/>
+                    <a:lstStyle/>
+                    <a:p>
+                      <a:r>
+                        <a:t>Total</a:t>
+                      </a:r>
+                    </a:p>
+                  </a:txBody>
+                  <a:tcPr/>
+                </a:tc>
+              </a:tr>
+              <a:tr h="365760">
+                <a:tc>
+                  <a:txBody>
+                    <a:bodyPr/>
+                    <a:lstStyle/>
+                    <a:p>
+                      <a:r>
+                        <a:t>Junior</a:t>
+                      </a:r>
+                    </a:p>
+                  </a:txBody>
+                  <a:tcPr/>
+                </a:tc>
+                <a:tc>
+                  <a:txBody>
+                    <a:bodyPr/>
+                    <a:lstStyle/>
+                    <a:p>
+                      <a:r>
+                        <a:t>2</a:t>
+                      </a:r>
+                    </a:p>
+                  </a:txBody>
+                  <a:tcPr/>
+                </a:tc>
+                <a:tc>
+                  <a:txBody>
+                    <a:bodyPr/>
+                    <a:lstStyle/>
+                    <a:p>
+                      <a:r>
+                        <a:t>1394</a:t>
+                      </a:r>
+                    </a:p>
+                  </a:txBody>
+                  <a:tcPr/>
+                </a:tc>
+                <a:tc>
+                  <a:txBody>
+                    <a:bodyPr/>
+                    <a:lstStyle/>
+                    <a:p>
+                      <a:r>
+                        <a:t>2870</a:t>
+                      </a:r>
+                    </a:p>
+                  </a:txBody>
+                  <a:tcPr/>
+                </a:tc>
+              </a:tr>
+              <a:tr h="365760">
+                <a:tc>
+                  <a:txBody>
+                    <a:bodyPr/>
+                    <a:lstStyle/>
+                    <a:p>
+                      <a:r>
+                        <a:t>Middle</a:t>
+                      </a:r>
+                    </a:p>
+                  </a:txBody>
+                  <a:tcPr/>
+                </a:tc>
+                <a:tc>
+                  <a:txBody>
+                    <a:bodyPr/>
+                    <a:lstStyle/>
+                    <a:p>
+                      <a:r>
+                        <a:t>0</a:t>
+                      </a:r>
+                    </a:p>
+                  </a:txBody>
+                  <a:tcPr/>
+                </a:tc>
+                <a:tc>
+                  <a:txBody>
+                    <a:bodyPr/>
+                    <a:lstStyle/>
+                    <a:p>
+                      <a:r>
+                        <a:t>124</a:t>
+                      </a:r>
+                    </a:p>
+                  </a:txBody>
+                  <a:tcPr/>
+                </a:tc>
+                <a:tc>
+                  <a:txBody>
+                    <a:bodyPr/>
+                    <a:lstStyle/>
+                    <a:p>
+                      <a:r>
+                        <a:t>288</a:t>
+                      </a:r>
+                    </a:p>
+                  </a:txBody>
+                  <a:tcPr/>
+                </a:tc>
+              </a:tr>
+              <a:tr h="365760">
+                <a:tc>
+                  <a:txBody>
+                    <a:bodyPr/>
+                    <a:lstStyle/>
+                    <a:p>
+                      <a:r>
+                        <a:t>Senior</a:t>
+                      </a:r>
+                    </a:p>
+                  </a:txBody>
+                  <a:tcPr/>
+                </a:tc>
+                <a:tc>
+                  <a:txBody>
+                    <a:bodyPr/>
+                    <a:lstStyle/>
+                    <a:p>
+                      <a:r>
+                        <a:t>0</a:t>
+                      </a:r>
+                    </a:p>
+                  </a:txBody>
+                  <a:tcPr/>
+                </a:tc>
+                <a:tc>
+                  <a:txBody>
+                    <a:bodyPr/>
+                    <a:lstStyle/>
+                    <a:p>
+                      <a:r>
+                        <a:t>20</a:t>
+                      </a:r>
+                    </a:p>
+                  </a:txBody>
+                  <a:tcPr/>
+                </a:tc>
+                <a:tc>
+                  <a:txBody>
+                    <a:bodyPr/>
+                    <a:lstStyle/>
+                    <a:p>
+                      <a:r>
+                        <a:t>34</a:t>
+                      </a:r>
+                    </a:p>
+                  </a:txBody>
+                  <a:tcPr/>
+                </a:tc>
+              </a:tr>
+              <a:tr h="365760">
+                <a:tc>
+                  <a:txBody>
+                    <a:bodyPr/>
+                    <a:lstStyle/>
+                    <a:p>
+                      <a:r>
+                        <a:t>Total</a:t>
+                      </a:r>
+                    </a:p>
+                  </a:txBody>
+                  <a:tcPr/>
+                </a:tc>
+                <a:tc>
+                  <a:txBody>
+                    <a:bodyPr/>
+                    <a:lstStyle/>
+                    <a:p>
+                      <a:r>
+                        <a:t>2</a:t>
+                      </a:r>
+                    </a:p>
+                  </a:txBody>
+                  <a:tcPr/>
+                </a:tc>
+                <a:tc>
+                  <a:txBody>
+                    <a:bodyPr/>
+                    <a:lstStyle/>
+                    <a:p>
+                      <a:r>
+                        <a:t>1538</a:t>
+                      </a:r>
+                    </a:p>
+                  </a:txBody>
+                  <a:tcPr/>
+                </a:tc>
+                <a:tc>
+                  <a:txBody>
+                    <a:bodyPr/>
+                    <a:lstStyle/>
+                    <a:p>
+                      <a:r>
+                        <a:t>3192</a:t>
+                      </a:r>
+                    </a:p>
+                  </a:txBody>
+                  <a:tcPr/>
+                </a:tc>
+              </a:tr>
+            </a:tbl>
+          </a:graphicData>
+        </a:graphic>
+      </p:graphicFrame>
+    </p:spTree>
+  </p:cSld>
+  <p:clrMapOvr>
+    <a:masterClrMapping/>
+  </p:clrMapOvr>
+</p:sld>
+</file>
+
+<file path=ppt/slides/slide7.xml><?xml version="1.0" encoding="utf-8"?>
+<p:sld xmlns:a="http://schemas.openxmlformats.org/drawingml/2006/main" xmlns:p="http://schemas.openxmlformats.org/presentationml/2006/main" xmlns:r="http://schemas.openxmlformats.org/officeDocument/2006/relationships">
+  <p:cSld>
+    <p:spTree>
+      <p:nvGrpSpPr>
+        <p:cNvPr id="1" name=""/>
+        <p:cNvGrpSpPr/>
+        <p:nvPr/>
+      </p:nvGrpSpPr>
+      <p:grpSpPr/>
+      <p:sp>
+        <p:nvSpPr>
+          <p:cNvPr id="2" name="Title 1"/>
+          <p:cNvSpPr>
+            <a:spLocks noGrp="1"/>
+          </p:cNvSpPr>
+          <p:nvPr>
+            <p:ph type="title"/>
+          </p:nvPr>
+        </p:nvSpPr>
+        <p:spPr/>
+        <p:txBody>
+          <a:bodyPr/>
+          <a:lstStyle/>
+          <a:p>
+            <a:r>
               <a:rPr sz="2500" b="1"/>
-              <a:t>uploads/thought/S6XdH7s86GKaqB8hS5qlef6VjZwGGV7l83Vqn7pt.jpg</a:t>
+              <a:t>Who do you think will make it to the next level?</a:t>
             </a:r>
           </a:p>
         </p:txBody>
@@ -4111,7 +5645,7 @@
         </p:nvGraphicFramePr>
         <p:xfrm>
           <a:off x="2743200" y="2286000"/>
-          <a:ext cx="6400800" cy="1828800"/>
+          <a:ext cx="6172200" cy="1828800"/>
         </p:xfrm>
         <a:graphic>
           <a:graphicData uri="http://schemas.openxmlformats.org/drawingml/2006/table">
@@ -4120,12 +5654,12 @@
                 <a:tableStyleId>{5C22544A-7EE6-4342-B048-85BDC9FD1C3A}</a:tableStyleId>
               </a:tblPr>
               <a:tblGrid>
-                <a:gridCol w="1600200"/>
-                <a:gridCol w="1600200"/>
-                <a:gridCol w="1600200"/>
-                <a:gridCol w="1600200"/>
+                <a:gridCol w="1543050"/>
+                <a:gridCol w="1543050"/>
+                <a:gridCol w="1543050"/>
+                <a:gridCol w="1543050"/>
               </a:tblGrid>
-              <a:tr h="365760">
+              <a:tr h="261257">
                 <a:tc>
                   <a:txBody>
                     <a:bodyPr/>
@@ -4175,157 +5709,257 @@
                   <a:tcPr/>
                 </a:tc>
               </a:tr>
-              <a:tr h="365760">
-                <a:tc>
-                  <a:txBody>
-                    <a:bodyPr/>
-                    <a:lstStyle/>
-                    <a:p>
-                      <a:r>
-                        <a:t>A</a:t>
-                      </a:r>
-                    </a:p>
-                  </a:txBody>
-                  <a:tcPr/>
-                </a:tc>
-                <a:tc>
-                  <a:txBody>
-                    <a:bodyPr/>
-                    <a:lstStyle/>
-                    <a:p>
-                      <a:r>
-                        <a:t>1</a:t>
-                      </a:r>
-                    </a:p>
-                  </a:txBody>
-                  <a:tcPr/>
-                </a:tc>
-                <a:tc>
-                  <a:txBody>
-                    <a:bodyPr/>
-                    <a:lstStyle/>
-                    <a:p>
-                      <a:r>
-                        <a:t>0</a:t>
-                      </a:r>
-                    </a:p>
-                  </a:txBody>
-                  <a:tcPr/>
-                </a:tc>
-                <a:tc>
-                  <a:txBody>
-                    <a:bodyPr/>
-                    <a:lstStyle/>
-                    <a:p>
-                      <a:r>
-                        <a:t>0</a:t>
+              <a:tr h="261257">
+                <a:tc>
+                  <a:txBody>
+                    <a:bodyPr/>
+                    <a:lstStyle/>
+                    <a:p>
+                      <a:r>
+                        <a:t>Arya</a:t>
+                      </a:r>
+                    </a:p>
+                  </a:txBody>
+                  <a:tcPr/>
+                </a:tc>
+                <a:tc>
+                  <a:txBody>
+                    <a:bodyPr/>
+                    <a:lstStyle/>
+                    <a:p>
+                      <a:r>
+                        <a:t>31%</a:t>
+                      </a:r>
+                    </a:p>
+                  </a:txBody>
+                  <a:tcPr/>
+                </a:tc>
+                <a:tc>
+                  <a:txBody>
+                    <a:bodyPr/>
+                    <a:lstStyle/>
+                    <a:p>
+                      <a:r>
+                        <a:t>34%</a:t>
+                      </a:r>
+                    </a:p>
+                  </a:txBody>
+                  <a:tcPr/>
+                </a:tc>
+                <a:tc>
+                  <a:txBody>
+                    <a:bodyPr/>
+                    <a:lstStyle/>
+                    <a:p>
+                      <a:r>
+                        <a:t>0%</a:t>
                       </a:r>
                     </a:p>
                   </a:txBody>
                   <a:tcPr/>
                 </a:tc>
               </a:tr>
-              <a:tr h="365760">
-                <a:tc>
-                  <a:txBody>
-                    <a:bodyPr/>
-                    <a:lstStyle/>
-                    <a:p>
-                      <a:r>
-                        <a:t>B</a:t>
-                      </a:r>
-                    </a:p>
-                  </a:txBody>
-                  <a:tcPr/>
-                </a:tc>
-                <a:tc>
-                  <a:txBody>
-                    <a:bodyPr/>
-                    <a:lstStyle/>
-                    <a:p>
-                      <a:r>
-                        <a:t>0</a:t>
-                      </a:r>
-                    </a:p>
-                  </a:txBody>
-                  <a:tcPr/>
-                </a:tc>
-                <a:tc>
-                  <a:txBody>
-                    <a:bodyPr/>
-                    <a:lstStyle/>
-                    <a:p>
-                      <a:r>
-                        <a:t>0</a:t>
-                      </a:r>
-                    </a:p>
-                  </a:txBody>
-                  <a:tcPr/>
-                </a:tc>
-                <a:tc>
-                  <a:txBody>
-                    <a:bodyPr/>
-                    <a:lstStyle/>
-                    <a:p>
-                      <a:r>
-                        <a:t>0</a:t>
+              <a:tr h="261257">
+                <a:tc>
+                  <a:txBody>
+                    <a:bodyPr/>
+                    <a:lstStyle/>
+                    <a:p>
+                      <a:r>
+                        <a:t>Kumar</a:t>
+                      </a:r>
+                    </a:p>
+                  </a:txBody>
+                  <a:tcPr/>
+                </a:tc>
+                <a:tc>
+                  <a:txBody>
+                    <a:bodyPr/>
+                    <a:lstStyle/>
+                    <a:p>
+                      <a:r>
+                        <a:t>20%</a:t>
+                      </a:r>
+                    </a:p>
+                  </a:txBody>
+                  <a:tcPr/>
+                </a:tc>
+                <a:tc>
+                  <a:txBody>
+                    <a:bodyPr/>
+                    <a:lstStyle/>
+                    <a:p>
+                      <a:r>
+                        <a:t>16%</a:t>
+                      </a:r>
+                    </a:p>
+                  </a:txBody>
+                  <a:tcPr/>
+                </a:tc>
+                <a:tc>
+                  <a:txBody>
+                    <a:bodyPr/>
+                    <a:lstStyle/>
+                    <a:p>
+                      <a:r>
+                        <a:t>67%</a:t>
                       </a:r>
                     </a:p>
                   </a:txBody>
                   <a:tcPr/>
                 </a:tc>
               </a:tr>
-              <a:tr h="365760">
-                <a:tc>
-                  <a:txBody>
-                    <a:bodyPr/>
-                    <a:lstStyle/>
-                    <a:p>
-                      <a:r>
-                        <a:t>C</a:t>
-                      </a:r>
-                    </a:p>
-                  </a:txBody>
-                  <a:tcPr/>
-                </a:tc>
-                <a:tc>
-                  <a:txBody>
-                    <a:bodyPr/>
-                    <a:lstStyle/>
-                    <a:p>
-                      <a:r>
-                        <a:t>1</a:t>
-                      </a:r>
-                    </a:p>
-                  </a:txBody>
-                  <a:tcPr/>
-                </a:tc>
-                <a:tc>
-                  <a:txBody>
-                    <a:bodyPr/>
-                    <a:lstStyle/>
-                    <a:p>
-                      <a:r>
-                        <a:t>0</a:t>
-                      </a:r>
-                    </a:p>
-                  </a:txBody>
-                  <a:tcPr/>
-                </a:tc>
-                <a:tc>
-                  <a:txBody>
-                    <a:bodyPr/>
-                    <a:lstStyle/>
-                    <a:p>
-                      <a:r>
-                        <a:t>0</a:t>
+              <a:tr h="261257">
+                <a:tc>
+                  <a:txBody>
+                    <a:bodyPr/>
+                    <a:lstStyle/>
+                    <a:p>
+                      <a:r>
+                        <a:t>Ali</a:t>
+                      </a:r>
+                    </a:p>
+                  </a:txBody>
+                  <a:tcPr/>
+                </a:tc>
+                <a:tc>
+                  <a:txBody>
+                    <a:bodyPr/>
+                    <a:lstStyle/>
+                    <a:p>
+                      <a:r>
+                        <a:t>25%</a:t>
+                      </a:r>
+                    </a:p>
+                  </a:txBody>
+                  <a:tcPr/>
+                </a:tc>
+                <a:tc>
+                  <a:txBody>
+                    <a:bodyPr/>
+                    <a:lstStyle/>
+                    <a:p>
+                      <a:r>
+                        <a:t>25%</a:t>
+                      </a:r>
+                    </a:p>
+                  </a:txBody>
+                  <a:tcPr/>
+                </a:tc>
+                <a:tc>
+                  <a:txBody>
+                    <a:bodyPr/>
+                    <a:lstStyle/>
+                    <a:p>
+                      <a:r>
+                        <a:t>33%</a:t>
                       </a:r>
                     </a:p>
                   </a:txBody>
                   <a:tcPr/>
                 </a:tc>
               </a:tr>
-              <a:tr h="365760">
+              <a:tr h="261257">
+                <a:tc>
+                  <a:txBody>
+                    <a:bodyPr/>
+                    <a:lstStyle/>
+                    <a:p>
+                      <a:r>
+                        <a:t>Sara</a:t>
+                      </a:r>
+                    </a:p>
+                  </a:txBody>
+                  <a:tcPr/>
+                </a:tc>
+                <a:tc>
+                  <a:txBody>
+                    <a:bodyPr/>
+                    <a:lstStyle/>
+                    <a:p>
+                      <a:r>
+                        <a:t>14%</a:t>
+                      </a:r>
+                    </a:p>
+                  </a:txBody>
+                  <a:tcPr/>
+                </a:tc>
+                <a:tc>
+                  <a:txBody>
+                    <a:bodyPr/>
+                    <a:lstStyle/>
+                    <a:p>
+                      <a:r>
+                        <a:t>16%</a:t>
+                      </a:r>
+                    </a:p>
+                  </a:txBody>
+                  <a:tcPr/>
+                </a:tc>
+                <a:tc>
+                  <a:txBody>
+                    <a:bodyPr/>
+                    <a:lstStyle/>
+                    <a:p>
+                      <a:r>
+                        <a:t>0%</a:t>
+                      </a:r>
+                    </a:p>
+                  </a:txBody>
+                  <a:tcPr/>
+                </a:tc>
+              </a:tr>
+              <a:tr h="261257">
+                <a:tc>
+                  <a:txBody>
+                    <a:bodyPr/>
+                    <a:lstStyle/>
+                    <a:p>
+                      <a:r>
+                        <a:t>Joe</a:t>
+                      </a:r>
+                    </a:p>
+                  </a:txBody>
+                  <a:tcPr/>
+                </a:tc>
+                <a:tc>
+                  <a:txBody>
+                    <a:bodyPr/>
+                    <a:lstStyle/>
+                    <a:p>
+                      <a:r>
+                        <a:t>10%</a:t>
+                      </a:r>
+                    </a:p>
+                  </a:txBody>
+                  <a:tcPr/>
+                </a:tc>
+                <a:tc>
+                  <a:txBody>
+                    <a:bodyPr/>
+                    <a:lstStyle/>
+                    <a:p>
+                      <a:r>
+                        <a:t>9%</a:t>
+                      </a:r>
+                    </a:p>
+                  </a:txBody>
+                  <a:tcPr/>
+                </a:tc>
+                <a:tc>
+                  <a:txBody>
+                    <a:bodyPr/>
+                    <a:lstStyle/>
+                    <a:p>
+                      <a:r>
+                        <a:t>0%</a:t>
+                      </a:r>
+                    </a:p>
+                  </a:txBody>
+                  <a:tcPr/>
+                </a:tc>
+              </a:tr>
+              <a:tr h="261258">
                 <a:tc>
                   <a:txBody>
                     <a:bodyPr/>
@@ -4344,31 +5978,31 @@
                     <a:lstStyle/>
                     <a:p>
                       <a:r>
-                        <a:t>2</a:t>
-                      </a:r>
-                    </a:p>
-                  </a:txBody>
-                  <a:tcPr/>
-                </a:tc>
-                <a:tc>
-                  <a:txBody>
-                    <a:bodyPr/>
-                    <a:lstStyle/>
-                    <a:p>
-                      <a:r>
-                        <a:t>0</a:t>
-                      </a:r>
-                    </a:p>
-                  </a:txBody>
-                  <a:tcPr/>
-                </a:tc>
-                <a:tc>
-                  <a:txBody>
-                    <a:bodyPr/>
-                    <a:lstStyle/>
-                    <a:p>
-                      <a:r>
-                        <a:t>0</a:t>
+                        <a:t>100%</a:t>
+                      </a:r>
+                    </a:p>
+                  </a:txBody>
+                  <a:tcPr/>
+                </a:tc>
+                <a:tc>
+                  <a:txBody>
+                    <a:bodyPr/>
+                    <a:lstStyle/>
+                    <a:p>
+                      <a:r>
+                        <a:t>100%</a:t>
+                      </a:r>
+                    </a:p>
+                  </a:txBody>
+                  <a:tcPr/>
+                </a:tc>
+                <a:tc>
+                  <a:txBody>
+                    <a:bodyPr/>
+                    <a:lstStyle/>
+                    <a:p>
+                      <a:r>
+                        <a:t>100%</a:t>
                       </a:r>
                     </a:p>
                   </a:txBody>
@@ -4389,7 +6023,7 @@
         </p:nvGraphicFramePr>
         <p:xfrm>
           <a:off x="0" y="2286000"/>
-          <a:ext cx="2743200" cy="2743200"/>
+          <a:ext cx="2743200" cy="3200400"/>
         </p:xfrm>
         <a:graphic>
           <a:graphicData uri="http://schemas.openxmlformats.org/drawingml/2006/chart">
@@ -4405,7 +6039,7 @@
 </p:sld>
 </file>
 
-<file path=ppt/slides/slide2.xml><?xml version="1.0" encoding="utf-8"?>
+<file path=ppt/slides/slide8.xml><?xml version="1.0" encoding="utf-8"?>
 <p:sld xmlns:a="http://schemas.openxmlformats.org/drawingml/2006/main" xmlns:p="http://schemas.openxmlformats.org/presentationml/2006/main" xmlns:r="http://schemas.openxmlformats.org/officeDocument/2006/relationships">
   <p:cSld>
     <p:spTree>
@@ -4432,7 +6066,7 @@
           <a:p>
             <a:r>
               <a:rPr sz="2500" b="1"/>
-              <a:t>Who do you think will make it to the next level?</a:t>
+              <a:t>uploads/thought/BEVKgyuyFDL6LYd3YB8zxb3ZbyKyHo8k11u8aoAo.jpg</a:t>
             </a:r>
           </a:p>
         </p:txBody>
@@ -4471,7 +6105,7 @@
         </p:nvGraphicFramePr>
         <p:xfrm>
           <a:off x="2743200" y="2286000"/>
-          <a:ext cx="6400800" cy="1828800"/>
+          <a:ext cx="6172200" cy="1828800"/>
         </p:xfrm>
         <a:graphic>
           <a:graphicData uri="http://schemas.openxmlformats.org/drawingml/2006/table">
@@ -4480,1390 +6114,10 @@
                 <a:tableStyleId>{5C22544A-7EE6-4342-B048-85BDC9FD1C3A}</a:tableStyleId>
               </a:tblPr>
               <a:tblGrid>
-                <a:gridCol w="1600200"/>
-                <a:gridCol w="1600200"/>
-                <a:gridCol w="1600200"/>
-                <a:gridCol w="1600200"/>
-              </a:tblGrid>
-              <a:tr h="261257">
-                <a:tc>
-                  <a:txBody>
-                    <a:bodyPr/>
-                    <a:lstStyle/>
-                    <a:p>
-                      <a:r>
-                        <a:t>Response</a:t>
-                      </a:r>
-                    </a:p>
-                  </a:txBody>
-                  <a:tcPr/>
-                </a:tc>
-                <a:tc>
-                  <a:txBody>
-                    <a:bodyPr/>
-                    <a:lstStyle/>
-                    <a:p>
-                      <a:r>
-                        <a:t>Junior</a:t>
-                      </a:r>
-                    </a:p>
-                  </a:txBody>
-                  <a:tcPr/>
-                </a:tc>
-                <a:tc>
-                  <a:txBody>
-                    <a:bodyPr/>
-                    <a:lstStyle/>
-                    <a:p>
-                      <a:r>
-                        <a:t>Middle</a:t>
-                      </a:r>
-                    </a:p>
-                  </a:txBody>
-                  <a:tcPr/>
-                </a:tc>
-                <a:tc>
-                  <a:txBody>
-                    <a:bodyPr/>
-                    <a:lstStyle/>
-                    <a:p>
-                      <a:r>
-                        <a:t>Senior</a:t>
-                      </a:r>
-                    </a:p>
-                  </a:txBody>
-                  <a:tcPr/>
-                </a:tc>
-              </a:tr>
-              <a:tr h="261257">
-                <a:tc>
-                  <a:txBody>
-                    <a:bodyPr/>
-                    <a:lstStyle/>
-                    <a:p>
-                      <a:r>
-                        <a:t>Arya</a:t>
-                      </a:r>
-                    </a:p>
-                  </a:txBody>
-                  <a:tcPr/>
-                </a:tc>
-                <a:tc>
-                  <a:txBody>
-                    <a:bodyPr/>
-                    <a:lstStyle/>
-                    <a:p>
-                      <a:r>
-                        <a:t>64</a:t>
-                      </a:r>
-                    </a:p>
-                  </a:txBody>
-                  <a:tcPr/>
-                </a:tc>
-                <a:tc>
-                  <a:txBody>
-                    <a:bodyPr/>
-                    <a:lstStyle/>
-                    <a:p>
-                      <a:r>
-                        <a:t>11</a:t>
-                      </a:r>
-                    </a:p>
-                  </a:txBody>
-                  <a:tcPr/>
-                </a:tc>
-                <a:tc>
-                  <a:txBody>
-                    <a:bodyPr/>
-                    <a:lstStyle/>
-                    <a:p>
-                      <a:r>
-                        <a:t>0</a:t>
-                      </a:r>
-                    </a:p>
-                  </a:txBody>
-                  <a:tcPr/>
-                </a:tc>
-              </a:tr>
-              <a:tr h="261257">
-                <a:tc>
-                  <a:txBody>
-                    <a:bodyPr/>
-                    <a:lstStyle/>
-                    <a:p>
-                      <a:r>
-                        <a:t>Kumar</a:t>
-                      </a:r>
-                    </a:p>
-                  </a:txBody>
-                  <a:tcPr/>
-                </a:tc>
-                <a:tc>
-                  <a:txBody>
-                    <a:bodyPr/>
-                    <a:lstStyle/>
-                    <a:p>
-                      <a:r>
-                        <a:t>41</a:t>
-                      </a:r>
-                    </a:p>
-                  </a:txBody>
-                  <a:tcPr/>
-                </a:tc>
-                <a:tc>
-                  <a:txBody>
-                    <a:bodyPr/>
-                    <a:lstStyle/>
-                    <a:p>
-                      <a:r>
-                        <a:t>5</a:t>
-                      </a:r>
-                    </a:p>
-                  </a:txBody>
-                  <a:tcPr/>
-                </a:tc>
-                <a:tc>
-                  <a:txBody>
-                    <a:bodyPr/>
-                    <a:lstStyle/>
-                    <a:p>
-                      <a:r>
-                        <a:t>2</a:t>
-                      </a:r>
-                    </a:p>
-                  </a:txBody>
-                  <a:tcPr/>
-                </a:tc>
-              </a:tr>
-              <a:tr h="261257">
-                <a:tc>
-                  <a:txBody>
-                    <a:bodyPr/>
-                    <a:lstStyle/>
-                    <a:p>
-                      <a:r>
-                        <a:t>Ali</a:t>
-                      </a:r>
-                    </a:p>
-                  </a:txBody>
-                  <a:tcPr/>
-                </a:tc>
-                <a:tc>
-                  <a:txBody>
-                    <a:bodyPr/>
-                    <a:lstStyle/>
-                    <a:p>
-                      <a:r>
-                        <a:t>60</a:t>
-                      </a:r>
-                    </a:p>
-                  </a:txBody>
-                  <a:tcPr/>
-                </a:tc>
-                <a:tc>
-                  <a:txBody>
-                    <a:bodyPr/>
-                    <a:lstStyle/>
-                    <a:p>
-                      <a:r>
-                        <a:t>8</a:t>
-                      </a:r>
-                    </a:p>
-                  </a:txBody>
-                  <a:tcPr/>
-                </a:tc>
-                <a:tc>
-                  <a:txBody>
-                    <a:bodyPr/>
-                    <a:lstStyle/>
-                    <a:p>
-                      <a:r>
-                        <a:t>1</a:t>
-                      </a:r>
-                    </a:p>
-                  </a:txBody>
-                  <a:tcPr/>
-                </a:tc>
-              </a:tr>
-              <a:tr h="261257">
-                <a:tc>
-                  <a:txBody>
-                    <a:bodyPr/>
-                    <a:lstStyle/>
-                    <a:p>
-                      <a:r>
-                        <a:t>Sara</a:t>
-                      </a:r>
-                    </a:p>
-                  </a:txBody>
-                  <a:tcPr/>
-                </a:tc>
-                <a:tc>
-                  <a:txBody>
-                    <a:bodyPr/>
-                    <a:lstStyle/>
-                    <a:p>
-                      <a:r>
-                        <a:t>28</a:t>
-                      </a:r>
-                    </a:p>
-                  </a:txBody>
-                  <a:tcPr/>
-                </a:tc>
-                <a:tc>
-                  <a:txBody>
-                    <a:bodyPr/>
-                    <a:lstStyle/>
-                    <a:p>
-                      <a:r>
-                        <a:t>5</a:t>
-                      </a:r>
-                    </a:p>
-                  </a:txBody>
-                  <a:tcPr/>
-                </a:tc>
-                <a:tc>
-                  <a:txBody>
-                    <a:bodyPr/>
-                    <a:lstStyle/>
-                    <a:p>
-                      <a:r>
-                        <a:t>0</a:t>
-                      </a:r>
-                    </a:p>
-                  </a:txBody>
-                  <a:tcPr/>
-                </a:tc>
-              </a:tr>
-              <a:tr h="261257">
-                <a:tc>
-                  <a:txBody>
-                    <a:bodyPr/>
-                    <a:lstStyle/>
-                    <a:p>
-                      <a:r>
-                        <a:t>Joe</a:t>
-                      </a:r>
-                    </a:p>
-                  </a:txBody>
-                  <a:tcPr/>
-                </a:tc>
-                <a:tc>
-                  <a:txBody>
-                    <a:bodyPr/>
-                    <a:lstStyle/>
-                    <a:p>
-                      <a:r>
-                        <a:t>19</a:t>
-                      </a:r>
-                    </a:p>
-                  </a:txBody>
-                  <a:tcPr/>
-                </a:tc>
-                <a:tc>
-                  <a:txBody>
-                    <a:bodyPr/>
-                    <a:lstStyle/>
-                    <a:p>
-                      <a:r>
-                        <a:t>3</a:t>
-                      </a:r>
-                    </a:p>
-                  </a:txBody>
-                  <a:tcPr/>
-                </a:tc>
-                <a:tc>
-                  <a:txBody>
-                    <a:bodyPr/>
-                    <a:lstStyle/>
-                    <a:p>
-                      <a:r>
-                        <a:t>0</a:t>
-                      </a:r>
-                    </a:p>
-                  </a:txBody>
-                  <a:tcPr/>
-                </a:tc>
-              </a:tr>
-              <a:tr h="261258">
-                <a:tc>
-                  <a:txBody>
-                    <a:bodyPr/>
-                    <a:lstStyle/>
-                    <a:p>
-                      <a:r>
-                        <a:t>Total</a:t>
-                      </a:r>
-                    </a:p>
-                  </a:txBody>
-                  <a:tcPr/>
-                </a:tc>
-                <a:tc>
-                  <a:txBody>
-                    <a:bodyPr/>
-                    <a:lstStyle/>
-                    <a:p>
-                      <a:r>
-                        <a:t>212</a:t>
-                      </a:r>
-                    </a:p>
-                  </a:txBody>
-                  <a:tcPr/>
-                </a:tc>
-                <a:tc>
-                  <a:txBody>
-                    <a:bodyPr/>
-                    <a:lstStyle/>
-                    <a:p>
-                      <a:r>
-                        <a:t>32</a:t>
-                      </a:r>
-                    </a:p>
-                  </a:txBody>
-                  <a:tcPr/>
-                </a:tc>
-                <a:tc>
-                  <a:txBody>
-                    <a:bodyPr/>
-                    <a:lstStyle/>
-                    <a:p>
-                      <a:r>
-                        <a:t>3</a:t>
-                      </a:r>
-                    </a:p>
-                  </a:txBody>
-                  <a:tcPr/>
-                </a:tc>
-              </a:tr>
-            </a:tbl>
-          </a:graphicData>
-        </a:graphic>
-      </p:graphicFrame>
-      <p:graphicFrame>
-        <p:nvGraphicFramePr>
-          <p:cNvPr id="5" name="Chart 4"/>
-          <p:cNvGraphicFramePr>
-            <a:graphicFrameLocks noGrp="1"/>
-          </p:cNvGraphicFramePr>
-          <p:nvPr/>
-        </p:nvGraphicFramePr>
-        <p:xfrm>
-          <a:off x="0" y="2286000"/>
-          <a:ext cx="2743200" cy="3200400"/>
-        </p:xfrm>
-        <a:graphic>
-          <a:graphicData uri="http://schemas.openxmlformats.org/drawingml/2006/chart">
-            <c:chart xmlns:c="http://schemas.openxmlformats.org/drawingml/2006/chart" r:id="rId3"/>
-          </a:graphicData>
-        </a:graphic>
-      </p:graphicFrame>
-    </p:spTree>
-  </p:cSld>
-  <p:clrMapOvr>
-    <a:masterClrMapping/>
-  </p:clrMapOvr>
-</p:sld>
-</file>
-
-<file path=ppt/slides/slide3.xml><?xml version="1.0" encoding="utf-8"?>
-<p:sld xmlns:a="http://schemas.openxmlformats.org/drawingml/2006/main" xmlns:p="http://schemas.openxmlformats.org/presentationml/2006/main" xmlns:r="http://schemas.openxmlformats.org/officeDocument/2006/relationships">
-  <p:cSld>
-    <p:spTree>
-      <p:nvGrpSpPr>
-        <p:cNvPr id="1" name=""/>
-        <p:cNvGrpSpPr/>
-        <p:nvPr/>
-      </p:nvGrpSpPr>
-      <p:grpSpPr/>
-      <p:sp>
-        <p:nvSpPr>
-          <p:cNvPr id="2" name="Title 1"/>
-          <p:cNvSpPr>
-            <a:spLocks noGrp="1"/>
-          </p:cNvSpPr>
-          <p:nvPr>
-            <p:ph type="title"/>
-          </p:nvPr>
-        </p:nvSpPr>
-        <p:spPr/>
-        <p:txBody>
-          <a:bodyPr/>
-          <a:lstStyle/>
-          <a:p>
-            <a:r>
-              <a:rPr sz="2500" b="1"/>
-              <a:t>Who do you think will go to the next level?</a:t>
-            </a:r>
-          </a:p>
-        </p:txBody>
-      </p:sp>
-      <p:pic>
-        <p:nvPicPr>
-          <p:cNvPr id="3" name="Picture 2" descr="SeekLogo.png"/>
-          <p:cNvPicPr>
-            <a:picLocks noChangeAspect="1"/>
-          </p:cNvPicPr>
-          <p:nvPr/>
-        </p:nvPicPr>
-        <p:blipFill>
-          <a:blip r:embed="rId2"/>
-          <a:stretch>
-            <a:fillRect/>
-          </a:stretch>
-        </p:blipFill>
-        <p:spPr>
-          <a:xfrm>
-            <a:off x="8293608" y="18288"/>
-            <a:ext cx="841248" cy="768096"/>
-          </a:xfrm>
-          <a:prstGeom prst="rect">
-            <a:avLst/>
-          </a:prstGeom>
-        </p:spPr>
-      </p:pic>
-      <p:graphicFrame>
-        <p:nvGraphicFramePr>
-          <p:cNvPr id="4" name="Table 3"/>
-          <p:cNvGraphicFramePr>
-            <a:graphicFrameLocks noGrp="1"/>
-          </p:cNvGraphicFramePr>
-          <p:nvPr/>
-        </p:nvGraphicFramePr>
-        <p:xfrm>
-          <a:off x="2743200" y="2286000"/>
-          <a:ext cx="6400800" cy="1828800"/>
-        </p:xfrm>
-        <a:graphic>
-          <a:graphicData uri="http://schemas.openxmlformats.org/drawingml/2006/table">
-            <a:tbl>
-              <a:tblPr firstRow="1" bandRow="1">
-                <a:tableStyleId>{5C22544A-7EE6-4342-B048-85BDC9FD1C3A}</a:tableStyleId>
-              </a:tblPr>
-              <a:tblGrid>
-                <a:gridCol w="1600200"/>
-                <a:gridCol w="1600200"/>
-                <a:gridCol w="1600200"/>
-                <a:gridCol w="1600200"/>
-              </a:tblGrid>
-              <a:tr h="261257">
-                <a:tc>
-                  <a:txBody>
-                    <a:bodyPr/>
-                    <a:lstStyle/>
-                    <a:p>
-                      <a:r>
-                        <a:t>Response</a:t>
-                      </a:r>
-                    </a:p>
-                  </a:txBody>
-                  <a:tcPr/>
-                </a:tc>
-                <a:tc>
-                  <a:txBody>
-                    <a:bodyPr/>
-                    <a:lstStyle/>
-                    <a:p>
-                      <a:r>
-                        <a:t>Junior</a:t>
-                      </a:r>
-                    </a:p>
-                  </a:txBody>
-                  <a:tcPr/>
-                </a:tc>
-                <a:tc>
-                  <a:txBody>
-                    <a:bodyPr/>
-                    <a:lstStyle/>
-                    <a:p>
-                      <a:r>
-                        <a:t>Middle</a:t>
-                      </a:r>
-                    </a:p>
-                  </a:txBody>
-                  <a:tcPr/>
-                </a:tc>
-                <a:tc>
-                  <a:txBody>
-                    <a:bodyPr/>
-                    <a:lstStyle/>
-                    <a:p>
-                      <a:r>
-                        <a:t>Senior</a:t>
-                      </a:r>
-                    </a:p>
-                  </a:txBody>
-                  <a:tcPr/>
-                </a:tc>
-              </a:tr>
-              <a:tr h="261257">
-                <a:tc>
-                  <a:txBody>
-                    <a:bodyPr/>
-                    <a:lstStyle/>
-                    <a:p>
-                      <a:r>
-                        <a:t>Arya</a:t>
-                      </a:r>
-                    </a:p>
-                  </a:txBody>
-                  <a:tcPr/>
-                </a:tc>
-                <a:tc>
-                  <a:txBody>
-                    <a:bodyPr/>
-                    <a:lstStyle/>
-                    <a:p>
-                      <a:r>
-                        <a:t>17</a:t>
-                      </a:r>
-                    </a:p>
-                  </a:txBody>
-                  <a:tcPr/>
-                </a:tc>
-                <a:tc>
-                  <a:txBody>
-                    <a:bodyPr/>
-                    <a:lstStyle/>
-                    <a:p>
-                      <a:r>
-                        <a:t>0</a:t>
-                      </a:r>
-                    </a:p>
-                  </a:txBody>
-                  <a:tcPr/>
-                </a:tc>
-                <a:tc>
-                  <a:txBody>
-                    <a:bodyPr/>
-                    <a:lstStyle/>
-                    <a:p>
-                      <a:r>
-                        <a:t>0</a:t>
-                      </a:r>
-                    </a:p>
-                  </a:txBody>
-                  <a:tcPr/>
-                </a:tc>
-              </a:tr>
-              <a:tr h="261257">
-                <a:tc>
-                  <a:txBody>
-                    <a:bodyPr/>
-                    <a:lstStyle/>
-                    <a:p>
-                      <a:r>
-                        <a:t>Kumar</a:t>
-                      </a:r>
-                    </a:p>
-                  </a:txBody>
-                  <a:tcPr/>
-                </a:tc>
-                <a:tc>
-                  <a:txBody>
-                    <a:bodyPr/>
-                    <a:lstStyle/>
-                    <a:p>
-                      <a:r>
-                        <a:t>13</a:t>
-                      </a:r>
-                    </a:p>
-                  </a:txBody>
-                  <a:tcPr/>
-                </a:tc>
-                <a:tc>
-                  <a:txBody>
-                    <a:bodyPr/>
-                    <a:lstStyle/>
-                    <a:p>
-                      <a:r>
-                        <a:t>0</a:t>
-                      </a:r>
-                    </a:p>
-                  </a:txBody>
-                  <a:tcPr/>
-                </a:tc>
-                <a:tc>
-                  <a:txBody>
-                    <a:bodyPr/>
-                    <a:lstStyle/>
-                    <a:p>
-                      <a:r>
-                        <a:t>0</a:t>
-                      </a:r>
-                    </a:p>
-                  </a:txBody>
-                  <a:tcPr/>
-                </a:tc>
-              </a:tr>
-              <a:tr h="261257">
-                <a:tc>
-                  <a:txBody>
-                    <a:bodyPr/>
-                    <a:lstStyle/>
-                    <a:p>
-                      <a:r>
-                        <a:t>Ali</a:t>
-                      </a:r>
-                    </a:p>
-                  </a:txBody>
-                  <a:tcPr/>
-                </a:tc>
-                <a:tc>
-                  <a:txBody>
-                    <a:bodyPr/>
-                    <a:lstStyle/>
-                    <a:p>
-                      <a:r>
-                        <a:t>7</a:t>
-                      </a:r>
-                    </a:p>
-                  </a:txBody>
-                  <a:tcPr/>
-                </a:tc>
-                <a:tc>
-                  <a:txBody>
-                    <a:bodyPr/>
-                    <a:lstStyle/>
-                    <a:p>
-                      <a:r>
-                        <a:t>0</a:t>
-                      </a:r>
-                    </a:p>
-                  </a:txBody>
-                  <a:tcPr/>
-                </a:tc>
-                <a:tc>
-                  <a:txBody>
-                    <a:bodyPr/>
-                    <a:lstStyle/>
-                    <a:p>
-                      <a:r>
-                        <a:t>0</a:t>
-                      </a:r>
-                    </a:p>
-                  </a:txBody>
-                  <a:tcPr/>
-                </a:tc>
-              </a:tr>
-              <a:tr h="261257">
-                <a:tc>
-                  <a:txBody>
-                    <a:bodyPr/>
-                    <a:lstStyle/>
-                    <a:p>
-                      <a:r>
-                        <a:t>Sara</a:t>
-                      </a:r>
-                    </a:p>
-                  </a:txBody>
-                  <a:tcPr/>
-                </a:tc>
-                <a:tc>
-                  <a:txBody>
-                    <a:bodyPr/>
-                    <a:lstStyle/>
-                    <a:p>
-                      <a:r>
-                        <a:t>7</a:t>
-                      </a:r>
-                    </a:p>
-                  </a:txBody>
-                  <a:tcPr/>
-                </a:tc>
-                <a:tc>
-                  <a:txBody>
-                    <a:bodyPr/>
-                    <a:lstStyle/>
-                    <a:p>
-                      <a:r>
-                        <a:t>0</a:t>
-                      </a:r>
-                    </a:p>
-                  </a:txBody>
-                  <a:tcPr/>
-                </a:tc>
-                <a:tc>
-                  <a:txBody>
-                    <a:bodyPr/>
-                    <a:lstStyle/>
-                    <a:p>
-                      <a:r>
-                        <a:t>0</a:t>
-                      </a:r>
-                    </a:p>
-                  </a:txBody>
-                  <a:tcPr/>
-                </a:tc>
-              </a:tr>
-              <a:tr h="261257">
-                <a:tc>
-                  <a:txBody>
-                    <a:bodyPr/>
-                    <a:lstStyle/>
-                    <a:p>
-                      <a:r>
-                        <a:t>Joe</a:t>
-                      </a:r>
-                    </a:p>
-                  </a:txBody>
-                  <a:tcPr/>
-                </a:tc>
-                <a:tc>
-                  <a:txBody>
-                    <a:bodyPr/>
-                    <a:lstStyle/>
-                    <a:p>
-                      <a:r>
-                        <a:t>8</a:t>
-                      </a:r>
-                    </a:p>
-                  </a:txBody>
-                  <a:tcPr/>
-                </a:tc>
-                <a:tc>
-                  <a:txBody>
-                    <a:bodyPr/>
-                    <a:lstStyle/>
-                    <a:p>
-                      <a:r>
-                        <a:t>0</a:t>
-                      </a:r>
-                    </a:p>
-                  </a:txBody>
-                  <a:tcPr/>
-                </a:tc>
-                <a:tc>
-                  <a:txBody>
-                    <a:bodyPr/>
-                    <a:lstStyle/>
-                    <a:p>
-                      <a:r>
-                        <a:t>0</a:t>
-                      </a:r>
-                    </a:p>
-                  </a:txBody>
-                  <a:tcPr/>
-                </a:tc>
-              </a:tr>
-              <a:tr h="261258">
-                <a:tc>
-                  <a:txBody>
-                    <a:bodyPr/>
-                    <a:lstStyle/>
-                    <a:p>
-                      <a:r>
-                        <a:t>Total</a:t>
-                      </a:r>
-                    </a:p>
-                  </a:txBody>
-                  <a:tcPr/>
-                </a:tc>
-                <a:tc>
-                  <a:txBody>
-                    <a:bodyPr/>
-                    <a:lstStyle/>
-                    <a:p>
-                      <a:r>
-                        <a:t>52</a:t>
-                      </a:r>
-                    </a:p>
-                  </a:txBody>
-                  <a:tcPr/>
-                </a:tc>
-                <a:tc>
-                  <a:txBody>
-                    <a:bodyPr/>
-                    <a:lstStyle/>
-                    <a:p>
-                      <a:r>
-                        <a:t>0</a:t>
-                      </a:r>
-                    </a:p>
-                  </a:txBody>
-                  <a:tcPr/>
-                </a:tc>
-                <a:tc>
-                  <a:txBody>
-                    <a:bodyPr/>
-                    <a:lstStyle/>
-                    <a:p>
-                      <a:r>
-                        <a:t>0</a:t>
-                      </a:r>
-                    </a:p>
-                  </a:txBody>
-                  <a:tcPr/>
-                </a:tc>
-              </a:tr>
-            </a:tbl>
-          </a:graphicData>
-        </a:graphic>
-      </p:graphicFrame>
-      <p:graphicFrame>
-        <p:nvGraphicFramePr>
-          <p:cNvPr id="5" name="Chart 4"/>
-          <p:cNvGraphicFramePr>
-            <a:graphicFrameLocks noGrp="1"/>
-          </p:cNvGraphicFramePr>
-          <p:nvPr/>
-        </p:nvGraphicFramePr>
-        <p:xfrm>
-          <a:off x="0" y="2286000"/>
-          <a:ext cx="2743200" cy="3200400"/>
-        </p:xfrm>
-        <a:graphic>
-          <a:graphicData uri="http://schemas.openxmlformats.org/drawingml/2006/chart">
-            <c:chart xmlns:c="http://schemas.openxmlformats.org/drawingml/2006/chart" r:id="rId3"/>
-          </a:graphicData>
-        </a:graphic>
-      </p:graphicFrame>
-    </p:spTree>
-  </p:cSld>
-  <p:clrMapOvr>
-    <a:masterClrMapping/>
-  </p:clrMapOvr>
-</p:sld>
-</file>
-
-<file path=ppt/slides/slide4.xml><?xml version="1.0" encoding="utf-8"?>
-<p:sld xmlns:a="http://schemas.openxmlformats.org/drawingml/2006/main" xmlns:p="http://schemas.openxmlformats.org/presentationml/2006/main" xmlns:r="http://schemas.openxmlformats.org/officeDocument/2006/relationships">
-  <p:cSld>
-    <p:spTree>
-      <p:nvGrpSpPr>
-        <p:cNvPr id="1" name=""/>
-        <p:cNvGrpSpPr/>
-        <p:nvPr/>
-      </p:nvGrpSpPr>
-      <p:grpSpPr/>
-      <p:sp>
-        <p:nvSpPr>
-          <p:cNvPr id="2" name="Title 1"/>
-          <p:cNvSpPr>
-            <a:spLocks noGrp="1"/>
-          </p:cNvSpPr>
-          <p:nvPr>
-            <p:ph type="title"/>
-          </p:nvPr>
-        </p:nvSpPr>
-        <p:spPr/>
-        <p:txBody>
-          <a:bodyPr/>
-          <a:lstStyle/>
-          <a:p>
-            <a:r>
-              <a:rPr sz="2500" b="1"/>
-              <a:t>Who do you think will get to the next level?</a:t>
-            </a:r>
-          </a:p>
-        </p:txBody>
-      </p:sp>
-      <p:pic>
-        <p:nvPicPr>
-          <p:cNvPr id="3" name="Picture 2" descr="SeekLogo.png"/>
-          <p:cNvPicPr>
-            <a:picLocks noChangeAspect="1"/>
-          </p:cNvPicPr>
-          <p:nvPr/>
-        </p:nvPicPr>
-        <p:blipFill>
-          <a:blip r:embed="rId2"/>
-          <a:stretch>
-            <a:fillRect/>
-          </a:stretch>
-        </p:blipFill>
-        <p:spPr>
-          <a:xfrm>
-            <a:off x="8293608" y="18288"/>
-            <a:ext cx="841248" cy="768096"/>
-          </a:xfrm>
-          <a:prstGeom prst="rect">
-            <a:avLst/>
-          </a:prstGeom>
-        </p:spPr>
-      </p:pic>
-      <p:graphicFrame>
-        <p:nvGraphicFramePr>
-          <p:cNvPr id="4" name="Table 3"/>
-          <p:cNvGraphicFramePr>
-            <a:graphicFrameLocks noGrp="1"/>
-          </p:cNvGraphicFramePr>
-          <p:nvPr/>
-        </p:nvGraphicFramePr>
-        <p:xfrm>
-          <a:off x="2743200" y="2286000"/>
-          <a:ext cx="6400800" cy="1828800"/>
-        </p:xfrm>
-        <a:graphic>
-          <a:graphicData uri="http://schemas.openxmlformats.org/drawingml/2006/table">
-            <a:tbl>
-              <a:tblPr firstRow="1" bandRow="1">
-                <a:tableStyleId>{5C22544A-7EE6-4342-B048-85BDC9FD1C3A}</a:tableStyleId>
-              </a:tblPr>
-              <a:tblGrid>
-                <a:gridCol w="1600200"/>
-                <a:gridCol w="1600200"/>
-                <a:gridCol w="1600200"/>
-                <a:gridCol w="1600200"/>
-              </a:tblGrid>
-              <a:tr h="261257">
-                <a:tc>
-                  <a:txBody>
-                    <a:bodyPr/>
-                    <a:lstStyle/>
-                    <a:p>
-                      <a:r>
-                        <a:t>Response</a:t>
-                      </a:r>
-                    </a:p>
-                  </a:txBody>
-                  <a:tcPr/>
-                </a:tc>
-                <a:tc>
-                  <a:txBody>
-                    <a:bodyPr/>
-                    <a:lstStyle/>
-                    <a:p>
-                      <a:r>
-                        <a:t>Junior</a:t>
-                      </a:r>
-                    </a:p>
-                  </a:txBody>
-                  <a:tcPr/>
-                </a:tc>
-                <a:tc>
-                  <a:txBody>
-                    <a:bodyPr/>
-                    <a:lstStyle/>
-                    <a:p>
-                      <a:r>
-                        <a:t>Middle</a:t>
-                      </a:r>
-                    </a:p>
-                  </a:txBody>
-                  <a:tcPr/>
-                </a:tc>
-                <a:tc>
-                  <a:txBody>
-                    <a:bodyPr/>
-                    <a:lstStyle/>
-                    <a:p>
-                      <a:r>
-                        <a:t>Senior</a:t>
-                      </a:r>
-                    </a:p>
-                  </a:txBody>
-                  <a:tcPr/>
-                </a:tc>
-              </a:tr>
-              <a:tr h="261257">
-                <a:tc>
-                  <a:txBody>
-                    <a:bodyPr/>
-                    <a:lstStyle/>
-                    <a:p>
-                      <a:r>
-                        <a:t>Arya</a:t>
-                      </a:r>
-                    </a:p>
-                  </a:txBody>
-                  <a:tcPr/>
-                </a:tc>
-                <a:tc>
-                  <a:txBody>
-                    <a:bodyPr/>
-                    <a:lstStyle/>
-                    <a:p>
-                      <a:r>
-                        <a:t>2</a:t>
-                      </a:r>
-                    </a:p>
-                  </a:txBody>
-                  <a:tcPr/>
-                </a:tc>
-                <a:tc>
-                  <a:txBody>
-                    <a:bodyPr/>
-                    <a:lstStyle/>
-                    <a:p>
-                      <a:r>
-                        <a:t>0</a:t>
-                      </a:r>
-                    </a:p>
-                  </a:txBody>
-                  <a:tcPr/>
-                </a:tc>
-                <a:tc>
-                  <a:txBody>
-                    <a:bodyPr/>
-                    <a:lstStyle/>
-                    <a:p>
-                      <a:r>
-                        <a:t>0</a:t>
-                      </a:r>
-                    </a:p>
-                  </a:txBody>
-                  <a:tcPr/>
-                </a:tc>
-              </a:tr>
-              <a:tr h="261257">
-                <a:tc>
-                  <a:txBody>
-                    <a:bodyPr/>
-                    <a:lstStyle/>
-                    <a:p>
-                      <a:r>
-                        <a:t>Kumar</a:t>
-                      </a:r>
-                    </a:p>
-                  </a:txBody>
-                  <a:tcPr/>
-                </a:tc>
-                <a:tc>
-                  <a:txBody>
-                    <a:bodyPr/>
-                    <a:lstStyle/>
-                    <a:p>
-                      <a:r>
-                        <a:t>1</a:t>
-                      </a:r>
-                    </a:p>
-                  </a:txBody>
-                  <a:tcPr/>
-                </a:tc>
-                <a:tc>
-                  <a:txBody>
-                    <a:bodyPr/>
-                    <a:lstStyle/>
-                    <a:p>
-                      <a:r>
-                        <a:t>0</a:t>
-                      </a:r>
-                    </a:p>
-                  </a:txBody>
-                  <a:tcPr/>
-                </a:tc>
-                <a:tc>
-                  <a:txBody>
-                    <a:bodyPr/>
-                    <a:lstStyle/>
-                    <a:p>
-                      <a:r>
-                        <a:t>0</a:t>
-                      </a:r>
-                    </a:p>
-                  </a:txBody>
-                  <a:tcPr/>
-                </a:tc>
-              </a:tr>
-              <a:tr h="261257">
-                <a:tc>
-                  <a:txBody>
-                    <a:bodyPr/>
-                    <a:lstStyle/>
-                    <a:p>
-                      <a:r>
-                        <a:t>Ali</a:t>
-                      </a:r>
-                    </a:p>
-                  </a:txBody>
-                  <a:tcPr/>
-                </a:tc>
-                <a:tc>
-                  <a:txBody>
-                    <a:bodyPr/>
-                    <a:lstStyle/>
-                    <a:p>
-                      <a:r>
-                        <a:t>1</a:t>
-                      </a:r>
-                    </a:p>
-                  </a:txBody>
-                  <a:tcPr/>
-                </a:tc>
-                <a:tc>
-                  <a:txBody>
-                    <a:bodyPr/>
-                    <a:lstStyle/>
-                    <a:p>
-                      <a:r>
-                        <a:t>0</a:t>
-                      </a:r>
-                    </a:p>
-                  </a:txBody>
-                  <a:tcPr/>
-                </a:tc>
-                <a:tc>
-                  <a:txBody>
-                    <a:bodyPr/>
-                    <a:lstStyle/>
-                    <a:p>
-                      <a:r>
-                        <a:t>0</a:t>
-                      </a:r>
-                    </a:p>
-                  </a:txBody>
-                  <a:tcPr/>
-                </a:tc>
-              </a:tr>
-              <a:tr h="261257">
-                <a:tc>
-                  <a:txBody>
-                    <a:bodyPr/>
-                    <a:lstStyle/>
-                    <a:p>
-                      <a:r>
-                        <a:t>Sara</a:t>
-                      </a:r>
-                    </a:p>
-                  </a:txBody>
-                  <a:tcPr/>
-                </a:tc>
-                <a:tc>
-                  <a:txBody>
-                    <a:bodyPr/>
-                    <a:lstStyle/>
-                    <a:p>
-                      <a:r>
-                        <a:t>2</a:t>
-                      </a:r>
-                    </a:p>
-                  </a:txBody>
-                  <a:tcPr/>
-                </a:tc>
-                <a:tc>
-                  <a:txBody>
-                    <a:bodyPr/>
-                    <a:lstStyle/>
-                    <a:p>
-                      <a:r>
-                        <a:t>0</a:t>
-                      </a:r>
-                    </a:p>
-                  </a:txBody>
-                  <a:tcPr/>
-                </a:tc>
-                <a:tc>
-                  <a:txBody>
-                    <a:bodyPr/>
-                    <a:lstStyle/>
-                    <a:p>
-                      <a:r>
-                        <a:t>0</a:t>
-                      </a:r>
-                    </a:p>
-                  </a:txBody>
-                  <a:tcPr/>
-                </a:tc>
-              </a:tr>
-              <a:tr h="261257">
-                <a:tc>
-                  <a:txBody>
-                    <a:bodyPr/>
-                    <a:lstStyle/>
-                    <a:p>
-                      <a:r>
-                        <a:t>Joe</a:t>
-                      </a:r>
-                    </a:p>
-                  </a:txBody>
-                  <a:tcPr/>
-                </a:tc>
-                <a:tc>
-                  <a:txBody>
-                    <a:bodyPr/>
-                    <a:lstStyle/>
-                    <a:p>
-                      <a:r>
-                        <a:t>1</a:t>
-                      </a:r>
-                    </a:p>
-                  </a:txBody>
-                  <a:tcPr/>
-                </a:tc>
-                <a:tc>
-                  <a:txBody>
-                    <a:bodyPr/>
-                    <a:lstStyle/>
-                    <a:p>
-                      <a:r>
-                        <a:t>0</a:t>
-                      </a:r>
-                    </a:p>
-                  </a:txBody>
-                  <a:tcPr/>
-                </a:tc>
-                <a:tc>
-                  <a:txBody>
-                    <a:bodyPr/>
-                    <a:lstStyle/>
-                    <a:p>
-                      <a:r>
-                        <a:t>0</a:t>
-                      </a:r>
-                    </a:p>
-                  </a:txBody>
-                  <a:tcPr/>
-                </a:tc>
-              </a:tr>
-              <a:tr h="261258">
-                <a:tc>
-                  <a:txBody>
-                    <a:bodyPr/>
-                    <a:lstStyle/>
-                    <a:p>
-                      <a:r>
-                        <a:t>Total</a:t>
-                      </a:r>
-                    </a:p>
-                  </a:txBody>
-                  <a:tcPr/>
-                </a:tc>
-                <a:tc>
-                  <a:txBody>
-                    <a:bodyPr/>
-                    <a:lstStyle/>
-                    <a:p>
-                      <a:r>
-                        <a:t>7</a:t>
-                      </a:r>
-                    </a:p>
-                  </a:txBody>
-                  <a:tcPr/>
-                </a:tc>
-                <a:tc>
-                  <a:txBody>
-                    <a:bodyPr/>
-                    <a:lstStyle/>
-                    <a:p>
-                      <a:r>
-                        <a:t>0</a:t>
-                      </a:r>
-                    </a:p>
-                  </a:txBody>
-                  <a:tcPr/>
-                </a:tc>
-                <a:tc>
-                  <a:txBody>
-                    <a:bodyPr/>
-                    <a:lstStyle/>
-                    <a:p>
-                      <a:r>
-                        <a:t>0</a:t>
-                      </a:r>
-                    </a:p>
-                  </a:txBody>
-                  <a:tcPr/>
-                </a:tc>
-              </a:tr>
-            </a:tbl>
-          </a:graphicData>
-        </a:graphic>
-      </p:graphicFrame>
-      <p:graphicFrame>
-        <p:nvGraphicFramePr>
-          <p:cNvPr id="5" name="Chart 4"/>
-          <p:cNvGraphicFramePr>
-            <a:graphicFrameLocks noGrp="1"/>
-          </p:cNvGraphicFramePr>
-          <p:nvPr/>
-        </p:nvGraphicFramePr>
-        <p:xfrm>
-          <a:off x="0" y="2286000"/>
-          <a:ext cx="2743200" cy="3200400"/>
-        </p:xfrm>
-        <a:graphic>
-          <a:graphicData uri="http://schemas.openxmlformats.org/drawingml/2006/chart">
-            <c:chart xmlns:c="http://schemas.openxmlformats.org/drawingml/2006/chart" r:id="rId3"/>
-          </a:graphicData>
-        </a:graphic>
-      </p:graphicFrame>
-    </p:spTree>
-  </p:cSld>
-  <p:clrMapOvr>
-    <a:masterClrMapping/>
-  </p:clrMapOvr>
-</p:sld>
-</file>
-
-<file path=ppt/slides/slide5.xml><?xml version="1.0" encoding="utf-8"?>
-<p:sld xmlns:a="http://schemas.openxmlformats.org/drawingml/2006/main" xmlns:p="http://schemas.openxmlformats.org/presentationml/2006/main" xmlns:r="http://schemas.openxmlformats.org/officeDocument/2006/relationships">
-  <p:cSld>
-    <p:spTree>
-      <p:nvGrpSpPr>
-        <p:cNvPr id="1" name=""/>
-        <p:cNvGrpSpPr/>
-        <p:nvPr/>
-      </p:nvGrpSpPr>
-      <p:grpSpPr/>
-      <p:sp>
-        <p:nvSpPr>
-          <p:cNvPr id="2" name="Title 1"/>
-          <p:cNvSpPr>
-            <a:spLocks noGrp="1"/>
-          </p:cNvSpPr>
-          <p:nvPr>
-            <p:ph type="title"/>
-          </p:nvPr>
-        </p:nvSpPr>
-        <p:spPr/>
-        <p:txBody>
-          <a:bodyPr/>
-          <a:lstStyle/>
-          <a:p>
-            <a:r>
-              <a:rPr sz="2500" b="1"/>
-              <a:t>uploads/thought/BEVKgyuyFDL6LYd3YB8zxb3ZbyKyHo8k11u8aoAo.jpg</a:t>
-            </a:r>
-          </a:p>
-        </p:txBody>
-      </p:sp>
-      <p:pic>
-        <p:nvPicPr>
-          <p:cNvPr id="3" name="Picture 2" descr="SeekLogo.png"/>
-          <p:cNvPicPr>
-            <a:picLocks noChangeAspect="1"/>
-          </p:cNvPicPr>
-          <p:nvPr/>
-        </p:nvPicPr>
-        <p:blipFill>
-          <a:blip r:embed="rId2"/>
-          <a:stretch>
-            <a:fillRect/>
-          </a:stretch>
-        </p:blipFill>
-        <p:spPr>
-          <a:xfrm>
-            <a:off x="8293608" y="18288"/>
-            <a:ext cx="841248" cy="768096"/>
-          </a:xfrm>
-          <a:prstGeom prst="rect">
-            <a:avLst/>
-          </a:prstGeom>
-        </p:spPr>
-      </p:pic>
-      <p:graphicFrame>
-        <p:nvGraphicFramePr>
-          <p:cNvPr id="4" name="Table 3"/>
-          <p:cNvGraphicFramePr>
-            <a:graphicFrameLocks noGrp="1"/>
-          </p:cNvGraphicFramePr>
-          <p:nvPr/>
-        </p:nvGraphicFramePr>
-        <p:xfrm>
-          <a:off x="2743200" y="2286000"/>
-          <a:ext cx="6400800" cy="1828800"/>
-        </p:xfrm>
-        <a:graphic>
-          <a:graphicData uri="http://schemas.openxmlformats.org/drawingml/2006/table">
-            <a:tbl>
-              <a:tblPr firstRow="1" bandRow="1">
-                <a:tableStyleId>{5C22544A-7EE6-4342-B048-85BDC9FD1C3A}</a:tableStyleId>
-              </a:tblPr>
-              <a:tblGrid>
-                <a:gridCol w="1600200"/>
-                <a:gridCol w="1600200"/>
-                <a:gridCol w="1600200"/>
-                <a:gridCol w="1600200"/>
+                <a:gridCol w="1543050"/>
+                <a:gridCol w="1543050"/>
+                <a:gridCol w="1543050"/>
+                <a:gridCol w="1543050"/>
               </a:tblGrid>
               <a:tr h="365760">
                 <a:tc>
@@ -5934,31 +6188,31 @@
                     <a:lstStyle/>
                     <a:p>
                       <a:r>
-                        <a:t>80</a:t>
-                      </a:r>
-                    </a:p>
-                  </a:txBody>
-                  <a:tcPr/>
-                </a:tc>
-                <a:tc>
-                  <a:txBody>
-                    <a:bodyPr/>
-                    <a:lstStyle/>
-                    <a:p>
-                      <a:r>
-                        <a:t>8</a:t>
-                      </a:r>
-                    </a:p>
-                  </a:txBody>
-                  <a:tcPr/>
-                </a:tc>
-                <a:tc>
-                  <a:txBody>
-                    <a:bodyPr/>
-                    <a:lstStyle/>
-                    <a:p>
-                      <a:r>
-                        <a:t>0</a:t>
+                        <a:t>39%</a:t>
+                      </a:r>
+                    </a:p>
+                  </a:txBody>
+                  <a:tcPr/>
+                </a:tc>
+                <a:tc>
+                  <a:txBody>
+                    <a:bodyPr/>
+                    <a:lstStyle/>
+                    <a:p>
+                      <a:r>
+                        <a:t>27%</a:t>
+                      </a:r>
+                    </a:p>
+                  </a:txBody>
+                  <a:tcPr/>
+                </a:tc>
+                <a:tc>
+                  <a:txBody>
+                    <a:bodyPr/>
+                    <a:lstStyle/>
+                    <a:p>
+                      <a:r>
+                        <a:t>0%</a:t>
                       </a:r>
                     </a:p>
                   </a:txBody>
@@ -5984,31 +6238,31 @@
                     <a:lstStyle/>
                     <a:p>
                       <a:r>
-                        <a:t>32</a:t>
-                      </a:r>
-                    </a:p>
-                  </a:txBody>
-                  <a:tcPr/>
-                </a:tc>
-                <a:tc>
-                  <a:txBody>
-                    <a:bodyPr/>
-                    <a:lstStyle/>
-                    <a:p>
-                      <a:r>
-                        <a:t>6</a:t>
-                      </a:r>
-                    </a:p>
-                  </a:txBody>
-                  <a:tcPr/>
-                </a:tc>
-                <a:tc>
-                  <a:txBody>
-                    <a:bodyPr/>
-                    <a:lstStyle/>
-                    <a:p>
-                      <a:r>
-                        <a:t>0</a:t>
+                        <a:t>20%</a:t>
+                      </a:r>
+                    </a:p>
+                  </a:txBody>
+                  <a:tcPr/>
+                </a:tc>
+                <a:tc>
+                  <a:txBody>
+                    <a:bodyPr/>
+                    <a:lstStyle/>
+                    <a:p>
+                      <a:r>
+                        <a:t>20%</a:t>
+                      </a:r>
+                    </a:p>
+                  </a:txBody>
+                  <a:tcPr/>
+                </a:tc>
+                <a:tc>
+                  <a:txBody>
+                    <a:bodyPr/>
+                    <a:lstStyle/>
+                    <a:p>
+                      <a:r>
+                        <a:t>0%</a:t>
                       </a:r>
                     </a:p>
                   </a:txBody>
@@ -6034,31 +6288,31 @@
                     <a:lstStyle/>
                     <a:p>
                       <a:r>
-                        <a:t>90</a:t>
-                      </a:r>
-                    </a:p>
-                  </a:txBody>
-                  <a:tcPr/>
-                </a:tc>
-                <a:tc>
-                  <a:txBody>
-                    <a:bodyPr/>
-                    <a:lstStyle/>
-                    <a:p>
-                      <a:r>
-                        <a:t>16</a:t>
-                      </a:r>
-                    </a:p>
-                  </a:txBody>
-                  <a:tcPr/>
-                </a:tc>
-                <a:tc>
-                  <a:txBody>
-                    <a:bodyPr/>
-                    <a:lstStyle/>
-                    <a:p>
-                      <a:r>
-                        <a:t>5</a:t>
+                        <a:t>41%</a:t>
+                      </a:r>
+                    </a:p>
+                  </a:txBody>
+                  <a:tcPr/>
+                </a:tc>
+                <a:tc>
+                  <a:txBody>
+                    <a:bodyPr/>
+                    <a:lstStyle/>
+                    <a:p>
+                      <a:r>
+                        <a:t>53%</a:t>
+                      </a:r>
+                    </a:p>
+                  </a:txBody>
+                  <a:tcPr/>
+                </a:tc>
+                <a:tc>
+                  <a:txBody>
+                    <a:bodyPr/>
+                    <a:lstStyle/>
+                    <a:p>
+                      <a:r>
+                        <a:t>100%</a:t>
                       </a:r>
                     </a:p>
                   </a:txBody>
@@ -6084,1111 +6338,31 @@
                     <a:lstStyle/>
                     <a:p>
                       <a:r>
-                        <a:t>202</a:t>
-                      </a:r>
-                    </a:p>
-                  </a:txBody>
-                  <a:tcPr/>
-                </a:tc>
-                <a:tc>
-                  <a:txBody>
-                    <a:bodyPr/>
-                    <a:lstStyle/>
-                    <a:p>
-                      <a:r>
-                        <a:t>30</a:t>
-                      </a:r>
-                    </a:p>
-                  </a:txBody>
-                  <a:tcPr/>
-                </a:tc>
-                <a:tc>
-                  <a:txBody>
-                    <a:bodyPr/>
-                    <a:lstStyle/>
-                    <a:p>
-                      <a:r>
-                        <a:t>5</a:t>
-                      </a:r>
-                    </a:p>
-                  </a:txBody>
-                  <a:tcPr/>
-                </a:tc>
-              </a:tr>
-            </a:tbl>
-          </a:graphicData>
-        </a:graphic>
-      </p:graphicFrame>
-      <p:graphicFrame>
-        <p:nvGraphicFramePr>
-          <p:cNvPr id="5" name="Chart 4"/>
-          <p:cNvGraphicFramePr>
-            <a:graphicFrameLocks noGrp="1"/>
-          </p:cNvGraphicFramePr>
-          <p:nvPr/>
-        </p:nvGraphicFramePr>
-        <p:xfrm>
-          <a:off x="0" y="2286000"/>
-          <a:ext cx="2743200" cy="2743200"/>
-        </p:xfrm>
-        <a:graphic>
-          <a:graphicData uri="http://schemas.openxmlformats.org/drawingml/2006/chart">
-            <c:chart xmlns:c="http://schemas.openxmlformats.org/drawingml/2006/chart" r:id="rId3"/>
-          </a:graphicData>
-        </a:graphic>
-      </p:graphicFrame>
-    </p:spTree>
-  </p:cSld>
-  <p:clrMapOvr>
-    <a:masterClrMapping/>
-  </p:clrMapOvr>
-</p:sld>
-</file>
-
-<file path=ppt/slides/slide6.xml><?xml version="1.0" encoding="utf-8"?>
-<p:sld xmlns:a="http://schemas.openxmlformats.org/drawingml/2006/main" xmlns:p="http://schemas.openxmlformats.org/presentationml/2006/main" xmlns:r="http://schemas.openxmlformats.org/officeDocument/2006/relationships">
-  <p:cSld>
-    <p:spTree>
-      <p:nvGrpSpPr>
-        <p:cNvPr id="1" name=""/>
-        <p:cNvGrpSpPr/>
-        <p:nvPr/>
-      </p:nvGrpSpPr>
-      <p:grpSpPr/>
-      <p:sp>
-        <p:nvSpPr>
-          <p:cNvPr id="2" name="Title 1"/>
-          <p:cNvSpPr>
-            <a:spLocks noGrp="1"/>
-          </p:cNvSpPr>
-          <p:nvPr>
-            <p:ph type="title"/>
-          </p:nvPr>
-        </p:nvSpPr>
-        <p:spPr/>
-        <p:txBody>
-          <a:bodyPr/>
-          <a:lstStyle/>
-          <a:p>
-            <a:r>
-              <a:rPr sz="2500" b="1"/>
-              <a:t>uploads/thought/Nxm7mPUR0SIVnojSv5dEsm6nzEXWOlVnoKfn4N8R.jpg</a:t>
-            </a:r>
-          </a:p>
-        </p:txBody>
-      </p:sp>
-      <p:pic>
-        <p:nvPicPr>
-          <p:cNvPr id="3" name="Picture 2" descr="SeekLogo.png"/>
-          <p:cNvPicPr>
-            <a:picLocks noChangeAspect="1"/>
-          </p:cNvPicPr>
-          <p:nvPr/>
-        </p:nvPicPr>
-        <p:blipFill>
-          <a:blip r:embed="rId2"/>
-          <a:stretch>
-            <a:fillRect/>
-          </a:stretch>
-        </p:blipFill>
-        <p:spPr>
-          <a:xfrm>
-            <a:off x="8293608" y="18288"/>
-            <a:ext cx="841248" cy="768096"/>
-          </a:xfrm>
-          <a:prstGeom prst="rect">
-            <a:avLst/>
-          </a:prstGeom>
-        </p:spPr>
-      </p:pic>
-      <p:graphicFrame>
-        <p:nvGraphicFramePr>
-          <p:cNvPr id="4" name="Table 3"/>
-          <p:cNvGraphicFramePr>
-            <a:graphicFrameLocks noGrp="1"/>
-          </p:cNvGraphicFramePr>
-          <p:nvPr/>
-        </p:nvGraphicFramePr>
-        <p:xfrm>
-          <a:off x="2743200" y="2286000"/>
-          <a:ext cx="6400800" cy="1828800"/>
-        </p:xfrm>
-        <a:graphic>
-          <a:graphicData uri="http://schemas.openxmlformats.org/drawingml/2006/table">
-            <a:tbl>
-              <a:tblPr firstRow="1" bandRow="1">
-                <a:tableStyleId>{5C22544A-7EE6-4342-B048-85BDC9FD1C3A}</a:tableStyleId>
-              </a:tblPr>
-              <a:tblGrid>
-                <a:gridCol w="1600200"/>
-                <a:gridCol w="1600200"/>
-                <a:gridCol w="1600200"/>
-                <a:gridCol w="1600200"/>
-              </a:tblGrid>
-              <a:tr h="365760">
-                <a:tc>
-                  <a:txBody>
-                    <a:bodyPr/>
-                    <a:lstStyle/>
-                    <a:p>
-                      <a:r>
-                        <a:t>Response</a:t>
-                      </a:r>
-                    </a:p>
-                  </a:txBody>
-                  <a:tcPr/>
-                </a:tc>
-                <a:tc>
-                  <a:txBody>
-                    <a:bodyPr/>
-                    <a:lstStyle/>
-                    <a:p>
-                      <a:r>
-                        <a:t>Junior</a:t>
-                      </a:r>
-                    </a:p>
-                  </a:txBody>
-                  <a:tcPr/>
-                </a:tc>
-                <a:tc>
-                  <a:txBody>
-                    <a:bodyPr/>
-                    <a:lstStyle/>
-                    <a:p>
-                      <a:r>
-                        <a:t>Middle</a:t>
-                      </a:r>
-                    </a:p>
-                  </a:txBody>
-                  <a:tcPr/>
-                </a:tc>
-                <a:tc>
-                  <a:txBody>
-                    <a:bodyPr/>
-                    <a:lstStyle/>
-                    <a:p>
-                      <a:r>
-                        <a:t>Senior</a:t>
-                      </a:r>
-                    </a:p>
-                  </a:txBody>
-                  <a:tcPr/>
-                </a:tc>
-              </a:tr>
-              <a:tr h="365760">
-                <a:tc>
-                  <a:txBody>
-                    <a:bodyPr/>
-                    <a:lstStyle/>
-                    <a:p>
-                      <a:r>
-                        <a:t>A</a:t>
-                      </a:r>
-                    </a:p>
-                  </a:txBody>
-                  <a:tcPr/>
-                </a:tc>
-                <a:tc>
-                  <a:txBody>
-                    <a:bodyPr/>
-                    <a:lstStyle/>
-                    <a:p>
-                      <a:r>
-                        <a:t>18</a:t>
-                      </a:r>
-                    </a:p>
-                  </a:txBody>
-                  <a:tcPr/>
-                </a:tc>
-                <a:tc>
-                  <a:txBody>
-                    <a:bodyPr/>
-                    <a:lstStyle/>
-                    <a:p>
-                      <a:r>
-                        <a:t>0</a:t>
-                      </a:r>
-                    </a:p>
-                  </a:txBody>
-                  <a:tcPr/>
-                </a:tc>
-                <a:tc>
-                  <a:txBody>
-                    <a:bodyPr/>
-                    <a:lstStyle/>
-                    <a:p>
-                      <a:r>
-                        <a:t>0</a:t>
-                      </a:r>
-                    </a:p>
-                  </a:txBody>
-                  <a:tcPr/>
-                </a:tc>
-              </a:tr>
-              <a:tr h="365760">
-                <a:tc>
-                  <a:txBody>
-                    <a:bodyPr/>
-                    <a:lstStyle/>
-                    <a:p>
-                      <a:r>
-                        <a:t>B</a:t>
-                      </a:r>
-                    </a:p>
-                  </a:txBody>
-                  <a:tcPr/>
-                </a:tc>
-                <a:tc>
-                  <a:txBody>
-                    <a:bodyPr/>
-                    <a:lstStyle/>
-                    <a:p>
-                      <a:r>
-                        <a:t>18</a:t>
-                      </a:r>
-                    </a:p>
-                  </a:txBody>
-                  <a:tcPr/>
-                </a:tc>
-                <a:tc>
-                  <a:txBody>
-                    <a:bodyPr/>
-                    <a:lstStyle/>
-                    <a:p>
-                      <a:r>
-                        <a:t>0</a:t>
-                      </a:r>
-                    </a:p>
-                  </a:txBody>
-                  <a:tcPr/>
-                </a:tc>
-                <a:tc>
-                  <a:txBody>
-                    <a:bodyPr/>
-                    <a:lstStyle/>
-                    <a:p>
-                      <a:r>
-                        <a:t>0</a:t>
-                      </a:r>
-                    </a:p>
-                  </a:txBody>
-                  <a:tcPr/>
-                </a:tc>
-              </a:tr>
-              <a:tr h="365760">
-                <a:tc>
-                  <a:txBody>
-                    <a:bodyPr/>
-                    <a:lstStyle/>
-                    <a:p>
-                      <a:r>
-                        <a:t>C</a:t>
-                      </a:r>
-                    </a:p>
-                  </a:txBody>
-                  <a:tcPr/>
-                </a:tc>
-                <a:tc>
-                  <a:txBody>
-                    <a:bodyPr/>
-                    <a:lstStyle/>
-                    <a:p>
-                      <a:r>
-                        <a:t>13</a:t>
-                      </a:r>
-                    </a:p>
-                  </a:txBody>
-                  <a:tcPr/>
-                </a:tc>
-                <a:tc>
-                  <a:txBody>
-                    <a:bodyPr/>
-                    <a:lstStyle/>
-                    <a:p>
-                      <a:r>
-                        <a:t>0</a:t>
-                      </a:r>
-                    </a:p>
-                  </a:txBody>
-                  <a:tcPr/>
-                </a:tc>
-                <a:tc>
-                  <a:txBody>
-                    <a:bodyPr/>
-                    <a:lstStyle/>
-                    <a:p>
-                      <a:r>
-                        <a:t>0</a:t>
-                      </a:r>
-                    </a:p>
-                  </a:txBody>
-                  <a:tcPr/>
-                </a:tc>
-              </a:tr>
-              <a:tr h="365760">
-                <a:tc>
-                  <a:txBody>
-                    <a:bodyPr/>
-                    <a:lstStyle/>
-                    <a:p>
-                      <a:r>
-                        <a:t>Total</a:t>
-                      </a:r>
-                    </a:p>
-                  </a:txBody>
-                  <a:tcPr/>
-                </a:tc>
-                <a:tc>
-                  <a:txBody>
-                    <a:bodyPr/>
-                    <a:lstStyle/>
-                    <a:p>
-                      <a:r>
-                        <a:t>49</a:t>
-                      </a:r>
-                    </a:p>
-                  </a:txBody>
-                  <a:tcPr/>
-                </a:tc>
-                <a:tc>
-                  <a:txBody>
-                    <a:bodyPr/>
-                    <a:lstStyle/>
-                    <a:p>
-                      <a:r>
-                        <a:t>0</a:t>
-                      </a:r>
-                    </a:p>
-                  </a:txBody>
-                  <a:tcPr/>
-                </a:tc>
-                <a:tc>
-                  <a:txBody>
-                    <a:bodyPr/>
-                    <a:lstStyle/>
-                    <a:p>
-                      <a:r>
-                        <a:t>0</a:t>
-                      </a:r>
-                    </a:p>
-                  </a:txBody>
-                  <a:tcPr/>
-                </a:tc>
-              </a:tr>
-            </a:tbl>
-          </a:graphicData>
-        </a:graphic>
-      </p:graphicFrame>
-      <p:graphicFrame>
-        <p:nvGraphicFramePr>
-          <p:cNvPr id="5" name="Chart 4"/>
-          <p:cNvGraphicFramePr>
-            <a:graphicFrameLocks noGrp="1"/>
-          </p:cNvGraphicFramePr>
-          <p:nvPr/>
-        </p:nvGraphicFramePr>
-        <p:xfrm>
-          <a:off x="0" y="2286000"/>
-          <a:ext cx="2743200" cy="2743200"/>
-        </p:xfrm>
-        <a:graphic>
-          <a:graphicData uri="http://schemas.openxmlformats.org/drawingml/2006/chart">
-            <c:chart xmlns:c="http://schemas.openxmlformats.org/drawingml/2006/chart" r:id="rId3"/>
-          </a:graphicData>
-        </a:graphic>
-      </p:graphicFrame>
-    </p:spTree>
-  </p:cSld>
-  <p:clrMapOvr>
-    <a:masterClrMapping/>
-  </p:clrMapOvr>
-</p:sld>
-</file>
-
-<file path=ppt/slides/slide7.xml><?xml version="1.0" encoding="utf-8"?>
-<p:sld xmlns:a="http://schemas.openxmlformats.org/drawingml/2006/main" xmlns:p="http://schemas.openxmlformats.org/presentationml/2006/main" xmlns:r="http://schemas.openxmlformats.org/officeDocument/2006/relationships">
-  <p:cSld>
-    <p:spTree>
-      <p:nvGrpSpPr>
-        <p:cNvPr id="1" name=""/>
-        <p:cNvGrpSpPr/>
-        <p:nvPr/>
-      </p:nvGrpSpPr>
-      <p:grpSpPr/>
-      <p:sp>
-        <p:nvSpPr>
-          <p:cNvPr id="2" name="Title 1"/>
-          <p:cNvSpPr>
-            <a:spLocks noGrp="1"/>
-          </p:cNvSpPr>
-          <p:nvPr>
-            <p:ph type="title"/>
-          </p:nvPr>
-        </p:nvSpPr>
-        <p:spPr/>
-        <p:txBody>
-          <a:bodyPr/>
-          <a:lstStyle/>
-          <a:p>
-            <a:r>
-              <a:rPr sz="2500" b="1"/>
-              <a:t>uploads/thought/8YAD9HznKeGmJS4DtRydDyn0Awk2Htnij4ZoLkDf.jpg</a:t>
-            </a:r>
-          </a:p>
-        </p:txBody>
-      </p:sp>
-      <p:pic>
-        <p:nvPicPr>
-          <p:cNvPr id="3" name="Picture 2" descr="SeekLogo.png"/>
-          <p:cNvPicPr>
-            <a:picLocks noChangeAspect="1"/>
-          </p:cNvPicPr>
-          <p:nvPr/>
-        </p:nvPicPr>
-        <p:blipFill>
-          <a:blip r:embed="rId2"/>
-          <a:stretch>
-            <a:fillRect/>
-          </a:stretch>
-        </p:blipFill>
-        <p:spPr>
-          <a:xfrm>
-            <a:off x="8293608" y="18288"/>
-            <a:ext cx="841248" cy="768096"/>
-          </a:xfrm>
-          <a:prstGeom prst="rect">
-            <a:avLst/>
-          </a:prstGeom>
-        </p:spPr>
-      </p:pic>
-      <p:graphicFrame>
-        <p:nvGraphicFramePr>
-          <p:cNvPr id="4" name="Table 3"/>
-          <p:cNvGraphicFramePr>
-            <a:graphicFrameLocks noGrp="1"/>
-          </p:cNvGraphicFramePr>
-          <p:nvPr/>
-        </p:nvGraphicFramePr>
-        <p:xfrm>
-          <a:off x="2743200" y="2286000"/>
-          <a:ext cx="6400800" cy="1828800"/>
-        </p:xfrm>
-        <a:graphic>
-          <a:graphicData uri="http://schemas.openxmlformats.org/drawingml/2006/table">
-            <a:tbl>
-              <a:tblPr firstRow="1" bandRow="1">
-                <a:tableStyleId>{5C22544A-7EE6-4342-B048-85BDC9FD1C3A}</a:tableStyleId>
-              </a:tblPr>
-              <a:tblGrid>
-                <a:gridCol w="1600200"/>
-                <a:gridCol w="1600200"/>
-                <a:gridCol w="1600200"/>
-                <a:gridCol w="1600200"/>
-              </a:tblGrid>
-              <a:tr h="365760">
-                <a:tc>
-                  <a:txBody>
-                    <a:bodyPr/>
-                    <a:lstStyle/>
-                    <a:p>
-                      <a:r>
-                        <a:t>Response</a:t>
-                      </a:r>
-                    </a:p>
-                  </a:txBody>
-                  <a:tcPr/>
-                </a:tc>
-                <a:tc>
-                  <a:txBody>
-                    <a:bodyPr/>
-                    <a:lstStyle/>
-                    <a:p>
-                      <a:r>
-                        <a:t>Junior</a:t>
-                      </a:r>
-                    </a:p>
-                  </a:txBody>
-                  <a:tcPr/>
-                </a:tc>
-                <a:tc>
-                  <a:txBody>
-                    <a:bodyPr/>
-                    <a:lstStyle/>
-                    <a:p>
-                      <a:r>
-                        <a:t>Middle</a:t>
-                      </a:r>
-                    </a:p>
-                  </a:txBody>
-                  <a:tcPr/>
-                </a:tc>
-                <a:tc>
-                  <a:txBody>
-                    <a:bodyPr/>
-                    <a:lstStyle/>
-                    <a:p>
-                      <a:r>
-                        <a:t>Senior</a:t>
-                      </a:r>
-                    </a:p>
-                  </a:txBody>
-                  <a:tcPr/>
-                </a:tc>
-              </a:tr>
-              <a:tr h="365760">
-                <a:tc>
-                  <a:txBody>
-                    <a:bodyPr/>
-                    <a:lstStyle/>
-                    <a:p>
-                      <a:r>
-                        <a:t>A</a:t>
-                      </a:r>
-                    </a:p>
-                  </a:txBody>
-                  <a:tcPr/>
-                </a:tc>
-                <a:tc>
-                  <a:txBody>
-                    <a:bodyPr/>
-                    <a:lstStyle/>
-                    <a:p>
-                      <a:r>
-                        <a:t>1</a:t>
-                      </a:r>
-                    </a:p>
-                  </a:txBody>
-                  <a:tcPr/>
-                </a:tc>
-                <a:tc>
-                  <a:txBody>
-                    <a:bodyPr/>
-                    <a:lstStyle/>
-                    <a:p>
-                      <a:r>
-                        <a:t>0</a:t>
-                      </a:r>
-                    </a:p>
-                  </a:txBody>
-                  <a:tcPr/>
-                </a:tc>
-                <a:tc>
-                  <a:txBody>
-                    <a:bodyPr/>
-                    <a:lstStyle/>
-                    <a:p>
-                      <a:r>
-                        <a:t>0</a:t>
-                      </a:r>
-                    </a:p>
-                  </a:txBody>
-                  <a:tcPr/>
-                </a:tc>
-              </a:tr>
-              <a:tr h="365760">
-                <a:tc>
-                  <a:txBody>
-                    <a:bodyPr/>
-                    <a:lstStyle/>
-                    <a:p>
-                      <a:r>
-                        <a:t>B</a:t>
-                      </a:r>
-                    </a:p>
-                  </a:txBody>
-                  <a:tcPr/>
-                </a:tc>
-                <a:tc>
-                  <a:txBody>
-                    <a:bodyPr/>
-                    <a:lstStyle/>
-                    <a:p>
-                      <a:r>
-                        <a:t>1</a:t>
-                      </a:r>
-                    </a:p>
-                  </a:txBody>
-                  <a:tcPr/>
-                </a:tc>
-                <a:tc>
-                  <a:txBody>
-                    <a:bodyPr/>
-                    <a:lstStyle/>
-                    <a:p>
-                      <a:r>
-                        <a:t>0</a:t>
-                      </a:r>
-                    </a:p>
-                  </a:txBody>
-                  <a:tcPr/>
-                </a:tc>
-                <a:tc>
-                  <a:txBody>
-                    <a:bodyPr/>
-                    <a:lstStyle/>
-                    <a:p>
-                      <a:r>
-                        <a:t>0</a:t>
-                      </a:r>
-                    </a:p>
-                  </a:txBody>
-                  <a:tcPr/>
-                </a:tc>
-              </a:tr>
-              <a:tr h="365760">
-                <a:tc>
-                  <a:txBody>
-                    <a:bodyPr/>
-                    <a:lstStyle/>
-                    <a:p>
-                      <a:r>
-                        <a:t>C</a:t>
-                      </a:r>
-                    </a:p>
-                  </a:txBody>
-                  <a:tcPr/>
-                </a:tc>
-                <a:tc>
-                  <a:txBody>
-                    <a:bodyPr/>
-                    <a:lstStyle/>
-                    <a:p>
-                      <a:r>
-                        <a:t>3</a:t>
-                      </a:r>
-                    </a:p>
-                  </a:txBody>
-                  <a:tcPr/>
-                </a:tc>
-                <a:tc>
-                  <a:txBody>
-                    <a:bodyPr/>
-                    <a:lstStyle/>
-                    <a:p>
-                      <a:r>
-                        <a:t>0</a:t>
-                      </a:r>
-                    </a:p>
-                  </a:txBody>
-                  <a:tcPr/>
-                </a:tc>
-                <a:tc>
-                  <a:txBody>
-                    <a:bodyPr/>
-                    <a:lstStyle/>
-                    <a:p>
-                      <a:r>
-                        <a:t>0</a:t>
-                      </a:r>
-                    </a:p>
-                  </a:txBody>
-                  <a:tcPr/>
-                </a:tc>
-              </a:tr>
-              <a:tr h="365760">
-                <a:tc>
-                  <a:txBody>
-                    <a:bodyPr/>
-                    <a:lstStyle/>
-                    <a:p>
-                      <a:r>
-                        <a:t>Total</a:t>
-                      </a:r>
-                    </a:p>
-                  </a:txBody>
-                  <a:tcPr/>
-                </a:tc>
-                <a:tc>
-                  <a:txBody>
-                    <a:bodyPr/>
-                    <a:lstStyle/>
-                    <a:p>
-                      <a:r>
-                        <a:t>5</a:t>
-                      </a:r>
-                    </a:p>
-                  </a:txBody>
-                  <a:tcPr/>
-                </a:tc>
-                <a:tc>
-                  <a:txBody>
-                    <a:bodyPr/>
-                    <a:lstStyle/>
-                    <a:p>
-                      <a:r>
-                        <a:t>0</a:t>
-                      </a:r>
-                    </a:p>
-                  </a:txBody>
-                  <a:tcPr/>
-                </a:tc>
-                <a:tc>
-                  <a:txBody>
-                    <a:bodyPr/>
-                    <a:lstStyle/>
-                    <a:p>
-                      <a:r>
-                        <a:t>0</a:t>
-                      </a:r>
-                    </a:p>
-                  </a:txBody>
-                  <a:tcPr/>
-                </a:tc>
-              </a:tr>
-            </a:tbl>
-          </a:graphicData>
-        </a:graphic>
-      </p:graphicFrame>
-      <p:graphicFrame>
-        <p:nvGraphicFramePr>
-          <p:cNvPr id="5" name="Chart 4"/>
-          <p:cNvGraphicFramePr>
-            <a:graphicFrameLocks noGrp="1"/>
-          </p:cNvGraphicFramePr>
-          <p:nvPr/>
-        </p:nvGraphicFramePr>
-        <p:xfrm>
-          <a:off x="0" y="2286000"/>
-          <a:ext cx="2743200" cy="2743200"/>
-        </p:xfrm>
-        <a:graphic>
-          <a:graphicData uri="http://schemas.openxmlformats.org/drawingml/2006/chart">
-            <c:chart xmlns:c="http://schemas.openxmlformats.org/drawingml/2006/chart" r:id="rId3"/>
-          </a:graphicData>
-        </a:graphic>
-      </p:graphicFrame>
-    </p:spTree>
-  </p:cSld>
-  <p:clrMapOvr>
-    <a:masterClrMapping/>
-  </p:clrMapOvr>
-</p:sld>
-</file>
-
-<file path=ppt/slides/slide8.xml><?xml version="1.0" encoding="utf-8"?>
-<p:sld xmlns:a="http://schemas.openxmlformats.org/drawingml/2006/main" xmlns:p="http://schemas.openxmlformats.org/presentationml/2006/main" xmlns:r="http://schemas.openxmlformats.org/officeDocument/2006/relationships">
-  <p:cSld>
-    <p:spTree>
-      <p:nvGrpSpPr>
-        <p:cNvPr id="1" name=""/>
-        <p:cNvGrpSpPr/>
-        <p:nvPr/>
-      </p:nvGrpSpPr>
-      <p:grpSpPr/>
-      <p:sp>
-        <p:nvSpPr>
-          <p:cNvPr id="2" name="Title 1"/>
-          <p:cNvSpPr>
-            <a:spLocks noGrp="1"/>
-          </p:cNvSpPr>
-          <p:nvPr>
-            <p:ph type="title"/>
-          </p:nvPr>
-        </p:nvSpPr>
-        <p:spPr/>
-        <p:txBody>
-          <a:bodyPr/>
-          <a:lstStyle/>
-          <a:p>
-            <a:r>
-              <a:rPr sz="2500" b="1"/>
-              <a:t>uploads/thought/7khIHNjj1sUOS0YAxvEL6yvJ1h4TwRKrYDNUnCVY.jpg</a:t>
-            </a:r>
-          </a:p>
-        </p:txBody>
-      </p:sp>
-      <p:pic>
-        <p:nvPicPr>
-          <p:cNvPr id="3" name="Picture 2" descr="SeekLogo.png"/>
-          <p:cNvPicPr>
-            <a:picLocks noChangeAspect="1"/>
-          </p:cNvPicPr>
-          <p:nvPr/>
-        </p:nvPicPr>
-        <p:blipFill>
-          <a:blip r:embed="rId2"/>
-          <a:stretch>
-            <a:fillRect/>
-          </a:stretch>
-        </p:blipFill>
-        <p:spPr>
-          <a:xfrm>
-            <a:off x="8293608" y="18288"/>
-            <a:ext cx="841248" cy="768096"/>
-          </a:xfrm>
-          <a:prstGeom prst="rect">
-            <a:avLst/>
-          </a:prstGeom>
-        </p:spPr>
-      </p:pic>
-      <p:graphicFrame>
-        <p:nvGraphicFramePr>
-          <p:cNvPr id="4" name="Table 3"/>
-          <p:cNvGraphicFramePr>
-            <a:graphicFrameLocks noGrp="1"/>
-          </p:cNvGraphicFramePr>
-          <p:nvPr/>
-        </p:nvGraphicFramePr>
-        <p:xfrm>
-          <a:off x="2743200" y="2286000"/>
-          <a:ext cx="6400800" cy="1828800"/>
-        </p:xfrm>
-        <a:graphic>
-          <a:graphicData uri="http://schemas.openxmlformats.org/drawingml/2006/table">
-            <a:tbl>
-              <a:tblPr firstRow="1" bandRow="1">
-                <a:tableStyleId>{5C22544A-7EE6-4342-B048-85BDC9FD1C3A}</a:tableStyleId>
-              </a:tblPr>
-              <a:tblGrid>
-                <a:gridCol w="1600200"/>
-                <a:gridCol w="1600200"/>
-                <a:gridCol w="1600200"/>
-                <a:gridCol w="1600200"/>
-              </a:tblGrid>
-              <a:tr h="365760">
-                <a:tc>
-                  <a:txBody>
-                    <a:bodyPr/>
-                    <a:lstStyle/>
-                    <a:p>
-                      <a:r>
-                        <a:t>Response</a:t>
-                      </a:r>
-                    </a:p>
-                  </a:txBody>
-                  <a:tcPr/>
-                </a:tc>
-                <a:tc>
-                  <a:txBody>
-                    <a:bodyPr/>
-                    <a:lstStyle/>
-                    <a:p>
-                      <a:r>
-                        <a:t>Junior</a:t>
-                      </a:r>
-                    </a:p>
-                  </a:txBody>
-                  <a:tcPr/>
-                </a:tc>
-                <a:tc>
-                  <a:txBody>
-                    <a:bodyPr/>
-                    <a:lstStyle/>
-                    <a:p>
-                      <a:r>
-                        <a:t>Middle</a:t>
-                      </a:r>
-                    </a:p>
-                  </a:txBody>
-                  <a:tcPr/>
-                </a:tc>
-                <a:tc>
-                  <a:txBody>
-                    <a:bodyPr/>
-                    <a:lstStyle/>
-                    <a:p>
-                      <a:r>
-                        <a:t>Senior</a:t>
-                      </a:r>
-                    </a:p>
-                  </a:txBody>
-                  <a:tcPr/>
-                </a:tc>
-              </a:tr>
-              <a:tr h="365760">
-                <a:tc>
-                  <a:txBody>
-                    <a:bodyPr/>
-                    <a:lstStyle/>
-                    <a:p>
-                      <a:r>
-                        <a:t>A</a:t>
-                      </a:r>
-                    </a:p>
-                  </a:txBody>
-                  <a:tcPr/>
-                </a:tc>
-                <a:tc>
-                  <a:txBody>
-                    <a:bodyPr/>
-                    <a:lstStyle/>
-                    <a:p>
-                      <a:r>
-                        <a:t>9</a:t>
-                      </a:r>
-                    </a:p>
-                  </a:txBody>
-                  <a:tcPr/>
-                </a:tc>
-                <a:tc>
-                  <a:txBody>
-                    <a:bodyPr/>
-                    <a:lstStyle/>
-                    <a:p>
-                      <a:r>
-                        <a:t>1</a:t>
-                      </a:r>
-                    </a:p>
-                  </a:txBody>
-                  <a:tcPr/>
-                </a:tc>
-                <a:tc>
-                  <a:txBody>
-                    <a:bodyPr/>
-                    <a:lstStyle/>
-                    <a:p>
-                      <a:r>
-                        <a:t>2</a:t>
-                      </a:r>
-                    </a:p>
-                  </a:txBody>
-                  <a:tcPr/>
-                </a:tc>
-              </a:tr>
-              <a:tr h="365760">
-                <a:tc>
-                  <a:txBody>
-                    <a:bodyPr/>
-                    <a:lstStyle/>
-                    <a:p>
-                      <a:r>
-                        <a:t>B</a:t>
-                      </a:r>
-                    </a:p>
-                  </a:txBody>
-                  <a:tcPr/>
-                </a:tc>
-                <a:tc>
-                  <a:txBody>
-                    <a:bodyPr/>
-                    <a:lstStyle/>
-                    <a:p>
-                      <a:r>
-                        <a:t>4</a:t>
-                      </a:r>
-                    </a:p>
-                  </a:txBody>
-                  <a:tcPr/>
-                </a:tc>
-                <a:tc>
-                  <a:txBody>
-                    <a:bodyPr/>
-                    <a:lstStyle/>
-                    <a:p>
-                      <a:r>
-                        <a:t>0</a:t>
-                      </a:r>
-                    </a:p>
-                  </a:txBody>
-                  <a:tcPr/>
-                </a:tc>
-                <a:tc>
-                  <a:txBody>
-                    <a:bodyPr/>
-                    <a:lstStyle/>
-                    <a:p>
-                      <a:r>
-                        <a:t>0</a:t>
-                      </a:r>
-                    </a:p>
-                  </a:txBody>
-                  <a:tcPr/>
-                </a:tc>
-              </a:tr>
-              <a:tr h="365760">
-                <a:tc>
-                  <a:txBody>
-                    <a:bodyPr/>
-                    <a:lstStyle/>
-                    <a:p>
-                      <a:r>
-                        <a:t>C</a:t>
-                      </a:r>
-                    </a:p>
-                  </a:txBody>
-                  <a:tcPr/>
-                </a:tc>
-                <a:tc>
-                  <a:txBody>
-                    <a:bodyPr/>
-                    <a:lstStyle/>
-                    <a:p>
-                      <a:r>
-                        <a:t>28</a:t>
-                      </a:r>
-                    </a:p>
-                  </a:txBody>
-                  <a:tcPr/>
-                </a:tc>
-                <a:tc>
-                  <a:txBody>
-                    <a:bodyPr/>
-                    <a:lstStyle/>
-                    <a:p>
-                      <a:r>
-                        <a:t>5</a:t>
-                      </a:r>
-                    </a:p>
-                  </a:txBody>
-                  <a:tcPr/>
-                </a:tc>
-                <a:tc>
-                  <a:txBody>
-                    <a:bodyPr/>
-                    <a:lstStyle/>
-                    <a:p>
-                      <a:r>
-                        <a:t>0</a:t>
-                      </a:r>
-                    </a:p>
-                  </a:txBody>
-                  <a:tcPr/>
-                </a:tc>
-              </a:tr>
-              <a:tr h="365760">
-                <a:tc>
-                  <a:txBody>
-                    <a:bodyPr/>
-                    <a:lstStyle/>
-                    <a:p>
-                      <a:r>
-                        <a:t>Total</a:t>
-                      </a:r>
-                    </a:p>
-                  </a:txBody>
-                  <a:tcPr/>
-                </a:tc>
-                <a:tc>
-                  <a:txBody>
-                    <a:bodyPr/>
-                    <a:lstStyle/>
-                    <a:p>
-                      <a:r>
-                        <a:t>41</a:t>
-                      </a:r>
-                    </a:p>
-                  </a:txBody>
-                  <a:tcPr/>
-                </a:tc>
-                <a:tc>
-                  <a:txBody>
-                    <a:bodyPr/>
-                    <a:lstStyle/>
-                    <a:p>
-                      <a:r>
-                        <a:t>6</a:t>
-                      </a:r>
-                    </a:p>
-                  </a:txBody>
-                  <a:tcPr/>
-                </a:tc>
-                <a:tc>
-                  <a:txBody>
-                    <a:bodyPr/>
-                    <a:lstStyle/>
-                    <a:p>
-                      <a:r>
-                        <a:t>2</a:t>
+                        <a:t>100%</a:t>
+                      </a:r>
+                    </a:p>
+                  </a:txBody>
+                  <a:tcPr/>
+                </a:tc>
+                <a:tc>
+                  <a:txBody>
+                    <a:bodyPr/>
+                    <a:lstStyle/>
+                    <a:p>
+                      <a:r>
+                        <a:t>100%</a:t>
+                      </a:r>
+                    </a:p>
+                  </a:txBody>
+                  <a:tcPr/>
+                </a:tc>
+                <a:tc>
+                  <a:txBody>
+                    <a:bodyPr/>
+                    <a:lstStyle/>
+                    <a:p>
+                      <a:r>
+                        <a:t>100%</a:t>
                       </a:r>
                     </a:p>
                   </a:txBody>
@@ -7252,7 +6426,7 @@
           <a:p>
             <a:r>
               <a:rPr sz="2500" b="1"/>
-              <a:t>uploads/thought/FFfoovxpiEt31VZDfDDo0CMHbTCu4QJSDKbNbI9c.jpg</a:t>
+              <a:t>uploads/thought/7khIHNjj1sUOS0YAxvEL6yvJ1h4TwRKrYDNUnCVY.jpg</a:t>
             </a:r>
           </a:p>
         </p:txBody>
@@ -7291,7 +6465,7 @@
         </p:nvGraphicFramePr>
         <p:xfrm>
           <a:off x="2743200" y="2286000"/>
-          <a:ext cx="6400800" cy="1828800"/>
+          <a:ext cx="6172200" cy="1828800"/>
         </p:xfrm>
         <a:graphic>
           <a:graphicData uri="http://schemas.openxmlformats.org/drawingml/2006/table">
@@ -7300,10 +6474,10 @@
                 <a:tableStyleId>{5C22544A-7EE6-4342-B048-85BDC9FD1C3A}</a:tableStyleId>
               </a:tblPr>
               <a:tblGrid>
-                <a:gridCol w="1600200"/>
-                <a:gridCol w="1600200"/>
-                <a:gridCol w="1600200"/>
-                <a:gridCol w="1600200"/>
+                <a:gridCol w="1543050"/>
+                <a:gridCol w="1543050"/>
+                <a:gridCol w="1543050"/>
+                <a:gridCol w="1543050"/>
               </a:tblGrid>
               <a:tr h="365760">
                 <a:tc>
@@ -7374,31 +6548,31 @@
                     <a:lstStyle/>
                     <a:p>
                       <a:r>
-                        <a:t>6</a:t>
-                      </a:r>
-                    </a:p>
-                  </a:txBody>
-                  <a:tcPr/>
-                </a:tc>
-                <a:tc>
-                  <a:txBody>
-                    <a:bodyPr/>
-                    <a:lstStyle/>
-                    <a:p>
-                      <a:r>
-                        <a:t>0</a:t>
-                      </a:r>
-                    </a:p>
-                  </a:txBody>
-                  <a:tcPr/>
-                </a:tc>
-                <a:tc>
-                  <a:txBody>
-                    <a:bodyPr/>
-                    <a:lstStyle/>
-                    <a:p>
-                      <a:r>
-                        <a:t>0</a:t>
+                        <a:t>28%</a:t>
+                      </a:r>
+                    </a:p>
+                  </a:txBody>
+                  <a:tcPr/>
+                </a:tc>
+                <a:tc>
+                  <a:txBody>
+                    <a:bodyPr/>
+                    <a:lstStyle/>
+                    <a:p>
+                      <a:r>
+                        <a:t>17%</a:t>
+                      </a:r>
+                    </a:p>
+                  </a:txBody>
+                  <a:tcPr/>
+                </a:tc>
+                <a:tc>
+                  <a:txBody>
+                    <a:bodyPr/>
+                    <a:lstStyle/>
+                    <a:p>
+                      <a:r>
+                        <a:t>100%</a:t>
                       </a:r>
                     </a:p>
                   </a:txBody>
@@ -7424,31 +6598,31 @@
                     <a:lstStyle/>
                     <a:p>
                       <a:r>
-                        <a:t>0</a:t>
-                      </a:r>
-                    </a:p>
-                  </a:txBody>
-                  <a:tcPr/>
-                </a:tc>
-                <a:tc>
-                  <a:txBody>
-                    <a:bodyPr/>
-                    <a:lstStyle/>
-                    <a:p>
-                      <a:r>
-                        <a:t>0</a:t>
-                      </a:r>
-                    </a:p>
-                  </a:txBody>
-                  <a:tcPr/>
-                </a:tc>
-                <a:tc>
-                  <a:txBody>
-                    <a:bodyPr/>
-                    <a:lstStyle/>
-                    <a:p>
-                      <a:r>
-                        <a:t>0</a:t>
+                        <a:t>7%</a:t>
+                      </a:r>
+                    </a:p>
+                  </a:txBody>
+                  <a:tcPr/>
+                </a:tc>
+                <a:tc>
+                  <a:txBody>
+                    <a:bodyPr/>
+                    <a:lstStyle/>
+                    <a:p>
+                      <a:r>
+                        <a:t>0%</a:t>
+                      </a:r>
+                    </a:p>
+                  </a:txBody>
+                  <a:tcPr/>
+                </a:tc>
+                <a:tc>
+                  <a:txBody>
+                    <a:bodyPr/>
+                    <a:lstStyle/>
+                    <a:p>
+                      <a:r>
+                        <a:t>0%</a:t>
                       </a:r>
                     </a:p>
                   </a:txBody>
@@ -7474,31 +6648,31 @@
                     <a:lstStyle/>
                     <a:p>
                       <a:r>
-                        <a:t>8</a:t>
-                      </a:r>
-                    </a:p>
-                  </a:txBody>
-                  <a:tcPr/>
-                </a:tc>
-                <a:tc>
-                  <a:txBody>
-                    <a:bodyPr/>
-                    <a:lstStyle/>
-                    <a:p>
-                      <a:r>
-                        <a:t>0</a:t>
-                      </a:r>
-                    </a:p>
-                  </a:txBody>
-                  <a:tcPr/>
-                </a:tc>
-                <a:tc>
-                  <a:txBody>
-                    <a:bodyPr/>
-                    <a:lstStyle/>
-                    <a:p>
-                      <a:r>
-                        <a:t>0</a:t>
+                        <a:t>65%</a:t>
+                      </a:r>
+                    </a:p>
+                  </a:txBody>
+                  <a:tcPr/>
+                </a:tc>
+                <a:tc>
+                  <a:txBody>
+                    <a:bodyPr/>
+                    <a:lstStyle/>
+                    <a:p>
+                      <a:r>
+                        <a:t>83%</a:t>
+                      </a:r>
+                    </a:p>
+                  </a:txBody>
+                  <a:tcPr/>
+                </a:tc>
+                <a:tc>
+                  <a:txBody>
+                    <a:bodyPr/>
+                    <a:lstStyle/>
+                    <a:p>
+                      <a:r>
+                        <a:t>0%</a:t>
                       </a:r>
                     </a:p>
                   </a:txBody>
@@ -7524,31 +6698,31 @@
                     <a:lstStyle/>
                     <a:p>
                       <a:r>
-                        <a:t>14</a:t>
-                      </a:r>
-                    </a:p>
-                  </a:txBody>
-                  <a:tcPr/>
-                </a:tc>
-                <a:tc>
-                  <a:txBody>
-                    <a:bodyPr/>
-                    <a:lstStyle/>
-                    <a:p>
-                      <a:r>
-                        <a:t>0</a:t>
-                      </a:r>
-                    </a:p>
-                  </a:txBody>
-                  <a:tcPr/>
-                </a:tc>
-                <a:tc>
-                  <a:txBody>
-                    <a:bodyPr/>
-                    <a:lstStyle/>
-                    <a:p>
-                      <a:r>
-                        <a:t>0</a:t>
+                        <a:t>100%</a:t>
+                      </a:r>
+                    </a:p>
+                  </a:txBody>
+                  <a:tcPr/>
+                </a:tc>
+                <a:tc>
+                  <a:txBody>
+                    <a:bodyPr/>
+                    <a:lstStyle/>
+                    <a:p>
+                      <a:r>
+                        <a:t>100%</a:t>
+                      </a:r>
+                    </a:p>
+                  </a:txBody>
+                  <a:tcPr/>
+                </a:tc>
+                <a:tc>
+                  <a:txBody>
+                    <a:bodyPr/>
+                    <a:lstStyle/>
+                    <a:p>
+                      <a:r>
+                        <a:t>100%</a:t>
                       </a:r>
                     </a:p>
                   </a:txBody>
